--- a/Teaching/Chemistry/FCC Chem 3A Chap  2 Content.pptx
+++ b/Teaching/Chemistry/FCC Chem 3A Chap  2 Content.pptx
@@ -5,30 +5,35 @@
     <p:sldMasterId id="2147483803" r:id="rId1"/>
   </p:sldMasterIdLst>
   <p:notesMasterIdLst>
-    <p:notesMasterId r:id="rId23"/>
+    <p:notesMasterId r:id="rId28"/>
   </p:notesMasterIdLst>
   <p:sldIdLst>
     <p:sldId id="608" r:id="rId2"/>
     <p:sldId id="796" r:id="rId3"/>
-    <p:sldId id="818" r:id="rId4"/>
-    <p:sldId id="732" r:id="rId5"/>
-    <p:sldId id="733" r:id="rId6"/>
-    <p:sldId id="716" r:id="rId7"/>
-    <p:sldId id="717" r:id="rId8"/>
-    <p:sldId id="718" r:id="rId9"/>
-    <p:sldId id="719" r:id="rId10"/>
-    <p:sldId id="720" r:id="rId11"/>
-    <p:sldId id="706" r:id="rId12"/>
-    <p:sldId id="765" r:id="rId13"/>
-    <p:sldId id="768" r:id="rId14"/>
-    <p:sldId id="769" r:id="rId15"/>
-    <p:sldId id="791" r:id="rId16"/>
-    <p:sldId id="789" r:id="rId17"/>
-    <p:sldId id="790" r:id="rId18"/>
-    <p:sldId id="783" r:id="rId19"/>
-    <p:sldId id="729" r:id="rId20"/>
-    <p:sldId id="757" r:id="rId21"/>
-    <p:sldId id="758" r:id="rId22"/>
+    <p:sldId id="797" r:id="rId4"/>
+    <p:sldId id="798" r:id="rId5"/>
+    <p:sldId id="799" r:id="rId6"/>
+    <p:sldId id="800" r:id="rId7"/>
+    <p:sldId id="801" r:id="rId8"/>
+    <p:sldId id="802" r:id="rId9"/>
+    <p:sldId id="732" r:id="rId10"/>
+    <p:sldId id="733" r:id="rId11"/>
+    <p:sldId id="716" r:id="rId12"/>
+    <p:sldId id="717" r:id="rId13"/>
+    <p:sldId id="718" r:id="rId14"/>
+    <p:sldId id="719" r:id="rId15"/>
+    <p:sldId id="720" r:id="rId16"/>
+    <p:sldId id="706" r:id="rId17"/>
+    <p:sldId id="765" r:id="rId18"/>
+    <p:sldId id="768" r:id="rId19"/>
+    <p:sldId id="769" r:id="rId20"/>
+    <p:sldId id="791" r:id="rId21"/>
+    <p:sldId id="789" r:id="rId22"/>
+    <p:sldId id="790" r:id="rId23"/>
+    <p:sldId id="783" r:id="rId24"/>
+    <p:sldId id="729" r:id="rId25"/>
+    <p:sldId id="757" r:id="rId26"/>
+    <p:sldId id="758" r:id="rId27"/>
   </p:sldIdLst>
   <p:sldSz cx="9144000" cy="6858000" type="screen4x3"/>
   <p:notesSz cx="7315200" cy="9601200"/>
@@ -9945,6 +9950,1165 @@
       </p:grpSpPr>
       <p:sp>
         <p:nvSpPr>
+          <p:cNvPr id="2" name="Title 1"/>
+          <p:cNvSpPr>
+            <a:spLocks noGrp="1"/>
+          </p:cNvSpPr>
+          <p:nvPr>
+            <p:ph type="title"/>
+          </p:nvPr>
+        </p:nvSpPr>
+        <p:spPr/>
+        <p:txBody>
+          <a:bodyPr/>
+          <a:lstStyle/>
+          <a:p>
+            <a:r>
+              <a:rPr lang="en-US" dirty="0"/>
+              <a:t>Nucleus &amp; Orbitals</a:t>
+            </a:r>
+          </a:p>
+        </p:txBody>
+      </p:sp>
+      <p:sp>
+        <p:nvSpPr>
+          <p:cNvPr id="3" name="Content Placeholder 2"/>
+          <p:cNvSpPr>
+            <a:spLocks noGrp="1"/>
+          </p:cNvSpPr>
+          <p:nvPr>
+            <p:ph idx="1"/>
+          </p:nvPr>
+        </p:nvSpPr>
+        <p:spPr/>
+        <p:txBody>
+          <a:bodyPr/>
+          <a:lstStyle/>
+          <a:p>
+            <a:r>
+              <a:rPr lang="en-US" dirty="0"/>
+              <a:t>Protons and neutrons organized in the nucleus</a:t>
+            </a:r>
+          </a:p>
+          <a:p>
+            <a:r>
+              <a:rPr lang="en-US" dirty="0"/>
+              <a:t>Electrons spatially located outside of the nucleus</a:t>
+            </a:r>
+          </a:p>
+          <a:p>
+            <a:r>
+              <a:rPr lang="en-US" dirty="0"/>
+              <a:t>Electrons "orbit" the nucleus in </a:t>
+            </a:r>
+            <a:r>
+              <a:rPr lang="en-US" dirty="0">
+                <a:solidFill>
+                  <a:srgbClr val="00FF00"/>
+                </a:solidFill>
+              </a:rPr>
+              <a:t>orbitals</a:t>
+            </a:r>
+            <a:r>
+              <a:rPr lang="en-US" dirty="0"/>
+              <a:t> but not like planets revolving around the sun</a:t>
+            </a:r>
+          </a:p>
+          <a:p>
+            <a:r>
+              <a:rPr lang="en-US" dirty="0">
+                <a:solidFill>
+                  <a:srgbClr val="FF99FF"/>
+                </a:solidFill>
+              </a:rPr>
+              <a:t>Their position/location is determined by probabilities calculated by</a:t>
+            </a:r>
+            <a:br>
+              <a:rPr lang="en-US" dirty="0">
+                <a:solidFill>
+                  <a:srgbClr val="FF99FF"/>
+                </a:solidFill>
+              </a:rPr>
+            </a:br>
+            <a:r>
+              <a:rPr lang="en-US" dirty="0">
+                <a:solidFill>
+                  <a:srgbClr val="FF99FF"/>
+                </a:solidFill>
+              </a:rPr>
+              <a:t>complex mathematical expressions</a:t>
+            </a:r>
+          </a:p>
+          <a:p>
+            <a:r>
+              <a:rPr lang="en-US" dirty="0"/>
+              <a:t>Each orbital pairs two electrons</a:t>
+            </a:r>
+            <a:br>
+              <a:rPr lang="en-US" dirty="0"/>
+            </a:br>
+            <a:r>
+              <a:rPr lang="en-US" dirty="0">
+                <a:solidFill>
+                  <a:srgbClr val="FF99FF"/>
+                </a:solidFill>
+              </a:rPr>
+              <a:t>of opposite spin</a:t>
+            </a:r>
+          </a:p>
+          <a:p>
+            <a:pPr marL="292100" lvl="1" indent="0">
+              <a:buNone/>
+            </a:pPr>
+            <a:r>
+              <a:rPr lang="en-US" dirty="0">
+                <a:solidFill>
+                  <a:srgbClr val="FF99FF"/>
+                </a:solidFill>
+              </a:rPr>
+              <a:t>Yes, electrons have a spin just</a:t>
+            </a:r>
+            <a:br>
+              <a:rPr lang="en-US" dirty="0">
+                <a:solidFill>
+                  <a:srgbClr val="FF99FF"/>
+                </a:solidFill>
+              </a:rPr>
+            </a:br>
+            <a:r>
+              <a:rPr lang="en-US" dirty="0">
+                <a:solidFill>
+                  <a:srgbClr val="FF99FF"/>
+                </a:solidFill>
+              </a:rPr>
+              <a:t>as the Earth rotates on an axis,</a:t>
+            </a:r>
+            <a:br>
+              <a:rPr lang="en-US" dirty="0">
+                <a:solidFill>
+                  <a:srgbClr val="FF99FF"/>
+                </a:solidFill>
+              </a:rPr>
+            </a:br>
+            <a:r>
+              <a:rPr lang="en-US" dirty="0">
+                <a:solidFill>
+                  <a:srgbClr val="FF99FF"/>
+                </a:solidFill>
+              </a:rPr>
+              <a:t>and this spin generates a </a:t>
+            </a:r>
+            <a:br>
+              <a:rPr lang="en-US" dirty="0">
+                <a:solidFill>
+                  <a:srgbClr val="FF99FF"/>
+                </a:solidFill>
+              </a:rPr>
+            </a:br>
+            <a:r>
+              <a:rPr lang="en-US" dirty="0">
+                <a:solidFill>
+                  <a:srgbClr val="FF99FF"/>
+                </a:solidFill>
+              </a:rPr>
+              <a:t>magnetic field</a:t>
+            </a:r>
+          </a:p>
+        </p:txBody>
+      </p:sp>
+      <p:pic>
+        <p:nvPicPr>
+          <p:cNvPr id="18434" name="Picture 2" descr="http://i.livescience.com/images/i/000/053/538/i02/atom-structure.jpg?1370472365"/>
+          <p:cNvPicPr>
+            <a:picLocks noChangeAspect="1" noChangeArrowheads="1"/>
+          </p:cNvPicPr>
+          <p:nvPr/>
+        </p:nvPicPr>
+        <p:blipFill>
+          <a:blip r:embed="rId2">
+            <a:extLst>
+              <a:ext uri="{28A0092B-C50C-407E-A947-70E740481C1C}">
+                <a14:useLocalDpi xmlns:a14="http://schemas.microsoft.com/office/drawing/2010/main" val="0"/>
+              </a:ext>
+            </a:extLst>
+          </a:blip>
+          <a:srcRect/>
+          <a:stretch>
+            <a:fillRect/>
+          </a:stretch>
+        </p:blipFill>
+        <p:spPr bwMode="auto">
+          <a:xfrm>
+            <a:off x="6268073" y="3958032"/>
+            <a:ext cx="2709849" cy="2432539"/>
+          </a:xfrm>
+          <a:prstGeom prst="rect">
+            <a:avLst/>
+          </a:prstGeom>
+          <a:noFill/>
+          <a:extLst>
+            <a:ext uri="{909E8E84-426E-40DD-AFC4-6F175D3DCCD1}">
+              <a14:hiddenFill xmlns:a14="http://schemas.microsoft.com/office/drawing/2010/main">
+                <a:solidFill>
+                  <a:srgbClr val="FFFFFF"/>
+                </a:solidFill>
+              </a14:hiddenFill>
+            </a:ext>
+          </a:extLst>
+        </p:spPr>
+      </p:pic>
+    </p:spTree>
+    <p:extLst>
+      <p:ext uri="{BB962C8B-B14F-4D97-AF65-F5344CB8AC3E}">
+        <p14:creationId xmlns:p14="http://schemas.microsoft.com/office/powerpoint/2010/main" val="2772955647"/>
+      </p:ext>
+    </p:extLst>
+  </p:cSld>
+  <p:clrMapOvr>
+    <a:masterClrMapping/>
+  </p:clrMapOvr>
+</p:sld>
+</file>
+
+<file path=ppt/slides/slide11.xml><?xml version="1.0" encoding="utf-8"?>
+<p:sld xmlns:a="http://schemas.openxmlformats.org/drawingml/2006/main" xmlns:r="http://schemas.openxmlformats.org/officeDocument/2006/relationships" xmlns:p="http://schemas.openxmlformats.org/presentationml/2006/main">
+  <p:cSld>
+    <p:spTree>
+      <p:nvGrpSpPr>
+        <p:cNvPr id="1" name=""/>
+        <p:cNvGrpSpPr/>
+        <p:nvPr/>
+      </p:nvGrpSpPr>
+      <p:grpSpPr>
+        <a:xfrm>
+          <a:off x="0" y="0"/>
+          <a:ext cx="0" cy="0"/>
+          <a:chOff x="0" y="0"/>
+          <a:chExt cx="0" cy="0"/>
+        </a:xfrm>
+      </p:grpSpPr>
+      <p:sp>
+        <p:nvSpPr>
+          <p:cNvPr id="2" name="Title 1"/>
+          <p:cNvSpPr>
+            <a:spLocks noGrp="1"/>
+          </p:cNvSpPr>
+          <p:nvPr>
+            <p:ph type="title"/>
+          </p:nvPr>
+        </p:nvSpPr>
+        <p:spPr/>
+        <p:txBody>
+          <a:bodyPr/>
+          <a:lstStyle/>
+          <a:p>
+            <a:r>
+              <a:rPr lang="en-US" dirty="0"/>
+              <a:t>Atomic Weight </a:t>
+            </a:r>
+          </a:p>
+        </p:txBody>
+      </p:sp>
+      <p:sp>
+        <p:nvSpPr>
+          <p:cNvPr id="3" name="Content Placeholder 2"/>
+          <p:cNvSpPr>
+            <a:spLocks noGrp="1"/>
+          </p:cNvSpPr>
+          <p:nvPr>
+            <p:ph idx="1"/>
+          </p:nvPr>
+        </p:nvSpPr>
+        <p:spPr/>
+        <p:txBody>
+          <a:bodyPr/>
+          <a:lstStyle/>
+          <a:p>
+            <a:pPr marL="0" indent="0">
+              <a:buNone/>
+            </a:pPr>
+            <a:r>
+              <a:rPr lang="en-US" sz="3200" i="1" dirty="0">
+                <a:latin typeface="Times New Roman" panose="02020603050405020304" pitchFamily="18" charset="0"/>
+                <a:cs typeface="Times New Roman" panose="02020603050405020304" pitchFamily="18" charset="0"/>
+              </a:rPr>
+              <a:t>Why does hydrogen (H) have an </a:t>
+            </a:r>
+            <a:r>
+              <a:rPr lang="en-US" sz="3200" i="1" dirty="0">
+                <a:solidFill>
+                  <a:srgbClr val="00FF00"/>
+                </a:solidFill>
+                <a:latin typeface="Times New Roman" panose="02020603050405020304" pitchFamily="18" charset="0"/>
+                <a:cs typeface="Times New Roman" panose="02020603050405020304" pitchFamily="18" charset="0"/>
+              </a:rPr>
+              <a:t>atomic weight </a:t>
+            </a:r>
+            <a:r>
+              <a:rPr lang="en-US" sz="3200" i="1" dirty="0">
+                <a:latin typeface="Times New Roman" panose="02020603050405020304" pitchFamily="18" charset="0"/>
+                <a:cs typeface="Times New Roman" panose="02020603050405020304" pitchFamily="18" charset="0"/>
+              </a:rPr>
+              <a:t>of 1.0079</a:t>
+            </a:r>
+            <a:r>
+              <a:rPr lang="en-US" sz="3200" dirty="0">
+                <a:latin typeface="Times New Roman" panose="02020603050405020304" pitchFamily="18" charset="0"/>
+                <a:cs typeface="Times New Roman" panose="02020603050405020304" pitchFamily="18" charset="0"/>
+              </a:rPr>
+              <a:t>?</a:t>
+            </a:r>
+            <a:br>
+              <a:rPr lang="en-US" sz="3200" i="1" dirty="0">
+                <a:latin typeface="Times New Roman" panose="02020603050405020304" pitchFamily="18" charset="0"/>
+                <a:cs typeface="Times New Roman" panose="02020603050405020304" pitchFamily="18" charset="0"/>
+              </a:rPr>
+            </a:br>
+            <a:endParaRPr lang="en-US" sz="3200" i="1" dirty="0">
+              <a:latin typeface="Times New Roman" panose="02020603050405020304" pitchFamily="18" charset="0"/>
+              <a:cs typeface="Times New Roman" panose="02020603050405020304" pitchFamily="18" charset="0"/>
+            </a:endParaRPr>
+          </a:p>
+          <a:p>
+            <a:pPr marL="0" indent="0">
+              <a:buNone/>
+            </a:pPr>
+            <a:r>
+              <a:rPr lang="en-US" sz="3200" i="1" dirty="0">
+                <a:latin typeface="Times New Roman" panose="02020603050405020304" pitchFamily="18" charset="0"/>
+                <a:cs typeface="Times New Roman" panose="02020603050405020304" pitchFamily="18" charset="0"/>
+              </a:rPr>
+              <a:t>How is it calculated</a:t>
+            </a:r>
+            <a:r>
+              <a:rPr lang="en-US" sz="3200" dirty="0">
+                <a:latin typeface="Times New Roman" panose="02020603050405020304" pitchFamily="18" charset="0"/>
+                <a:cs typeface="Times New Roman" panose="02020603050405020304" pitchFamily="18" charset="0"/>
+              </a:rPr>
+              <a:t>?</a:t>
+            </a:r>
+          </a:p>
+        </p:txBody>
+      </p:sp>
+      <p:pic>
+        <p:nvPicPr>
+          <p:cNvPr id="1026" name="Picture 2"/>
+          <p:cNvPicPr>
+            <a:picLocks noChangeAspect="1" noChangeArrowheads="1"/>
+          </p:cNvPicPr>
+          <p:nvPr/>
+        </p:nvPicPr>
+        <p:blipFill>
+          <a:blip r:embed="rId2">
+            <a:extLst>
+              <a:ext uri="{28A0092B-C50C-407E-A947-70E740481C1C}">
+                <a14:useLocalDpi xmlns:a14="http://schemas.microsoft.com/office/drawing/2010/main" val="0"/>
+              </a:ext>
+            </a:extLst>
+          </a:blip>
+          <a:srcRect/>
+          <a:stretch>
+            <a:fillRect/>
+          </a:stretch>
+        </p:blipFill>
+        <p:spPr bwMode="auto">
+          <a:xfrm>
+            <a:off x="3810001" y="3752748"/>
+            <a:ext cx="1843514" cy="2071109"/>
+          </a:xfrm>
+          <a:prstGeom prst="rect">
+            <a:avLst/>
+          </a:prstGeom>
+          <a:noFill/>
+          <a:ln>
+            <a:noFill/>
+          </a:ln>
+          <a:extLst>
+            <a:ext uri="{909E8E84-426E-40DD-AFC4-6F175D3DCCD1}">
+              <a14:hiddenFill xmlns:a14="http://schemas.microsoft.com/office/drawing/2010/main">
+                <a:solidFill>
+                  <a:schemeClr val="accent1"/>
+                </a:solidFill>
+              </a14:hiddenFill>
+            </a:ext>
+            <a:ext uri="{91240B29-F687-4F45-9708-019B960494DF}">
+              <a14:hiddenLine xmlns:a14="http://schemas.microsoft.com/office/drawing/2010/main" w="9525">
+                <a:solidFill>
+                  <a:schemeClr val="tx1"/>
+                </a:solidFill>
+                <a:miter lim="800000"/>
+                <a:headEnd/>
+                <a:tailEnd/>
+              </a14:hiddenLine>
+            </a:ext>
+          </a:extLst>
+        </p:spPr>
+      </p:pic>
+    </p:spTree>
+    <p:extLst>
+      <p:ext uri="{BB962C8B-B14F-4D97-AF65-F5344CB8AC3E}">
+        <p14:creationId xmlns:p14="http://schemas.microsoft.com/office/powerpoint/2010/main" val="3245603847"/>
+      </p:ext>
+    </p:extLst>
+  </p:cSld>
+  <p:clrMapOvr>
+    <a:masterClrMapping/>
+  </p:clrMapOvr>
+</p:sld>
+</file>
+
+<file path=ppt/slides/slide12.xml><?xml version="1.0" encoding="utf-8"?>
+<p:sld xmlns:a="http://schemas.openxmlformats.org/drawingml/2006/main" xmlns:r="http://schemas.openxmlformats.org/officeDocument/2006/relationships" xmlns:p="http://schemas.openxmlformats.org/presentationml/2006/main">
+  <p:cSld>
+    <p:spTree>
+      <p:nvGrpSpPr>
+        <p:cNvPr id="1" name=""/>
+        <p:cNvGrpSpPr/>
+        <p:nvPr/>
+      </p:nvGrpSpPr>
+      <p:grpSpPr>
+        <a:xfrm>
+          <a:off x="0" y="0"/>
+          <a:ext cx="0" cy="0"/>
+          <a:chOff x="0" y="0"/>
+          <a:chExt cx="0" cy="0"/>
+        </a:xfrm>
+      </p:grpSpPr>
+      <p:sp>
+        <p:nvSpPr>
+          <p:cNvPr id="4" name="Content Placeholder 3"/>
+          <p:cNvSpPr>
+            <a:spLocks noGrp="1"/>
+          </p:cNvSpPr>
+          <p:nvPr>
+            <p:ph idx="1"/>
+          </p:nvPr>
+        </p:nvSpPr>
+        <p:spPr/>
+        <p:txBody>
+          <a:bodyPr/>
+          <a:lstStyle/>
+          <a:p>
+            <a:r>
+              <a:rPr lang="en-US" dirty="0"/>
+              <a:t>Atoms are made of three subatomic particles</a:t>
+            </a:r>
+          </a:p>
+          <a:p>
+            <a:pPr marL="533400" lvl="1" indent="-296863">
+              <a:buFont typeface="+mj-lt"/>
+              <a:buAutoNum type="arabicPeriod"/>
+            </a:pPr>
+            <a:r>
+              <a:rPr lang="en-US" dirty="0"/>
+              <a:t> </a:t>
+            </a:r>
+            <a:r>
+              <a:rPr lang="en-US" dirty="0">
+                <a:solidFill>
+                  <a:srgbClr val="00FF00"/>
+                </a:solidFill>
+              </a:rPr>
+              <a:t>Protons</a:t>
+            </a:r>
+          </a:p>
+          <a:p>
+            <a:pPr marL="519112" lvl="2" indent="0">
+              <a:buNone/>
+            </a:pPr>
+            <a:r>
+              <a:rPr lang="en-US" dirty="0"/>
+              <a:t>which actually give the element its identity</a:t>
+            </a:r>
+          </a:p>
+          <a:p>
+            <a:pPr marL="533400" lvl="1" indent="-296863">
+              <a:buFont typeface="+mj-lt"/>
+              <a:buAutoNum type="arabicPeriod"/>
+            </a:pPr>
+            <a:r>
+              <a:rPr lang="en-US" dirty="0"/>
+              <a:t> </a:t>
+            </a:r>
+            <a:r>
+              <a:rPr lang="en-US" dirty="0">
+                <a:solidFill>
+                  <a:srgbClr val="00FF00"/>
+                </a:solidFill>
+              </a:rPr>
+              <a:t>Electrons</a:t>
+            </a:r>
+          </a:p>
+          <a:p>
+            <a:pPr marL="519112" lvl="2" indent="0">
+              <a:buNone/>
+            </a:pPr>
+            <a:r>
+              <a:rPr lang="en-US" dirty="0"/>
+              <a:t>chemistry is really about electrons, because it is electrons that allow atoms to bond to each other</a:t>
+            </a:r>
+          </a:p>
+          <a:p>
+            <a:pPr marL="533400" lvl="1" indent="-296863">
+              <a:buFont typeface="+mj-lt"/>
+              <a:buAutoNum type="arabicPeriod"/>
+            </a:pPr>
+            <a:r>
+              <a:rPr lang="en-US" dirty="0"/>
+              <a:t> </a:t>
+            </a:r>
+            <a:r>
+              <a:rPr lang="en-US" dirty="0">
+                <a:solidFill>
+                  <a:srgbClr val="00FF00"/>
+                </a:solidFill>
+              </a:rPr>
+              <a:t>Neutrons</a:t>
+            </a:r>
+          </a:p>
+          <a:p>
+            <a:pPr marL="519112" lvl="2" indent="0">
+              <a:buNone/>
+            </a:pPr>
+            <a:r>
+              <a:rPr lang="en-US" dirty="0"/>
+              <a:t>it takes about 1800 electrons to equal mass of a proton, and the neutron is slightly bigger than the proton by 0.15%.</a:t>
+            </a:r>
+          </a:p>
+          <a:p>
+            <a:pPr marL="0" indent="-1">
+              <a:buNone/>
+            </a:pPr>
+            <a:r>
+              <a:rPr lang="en-US" sz="2000" dirty="0"/>
+              <a:t>In fact, a neutron may be the combination of the mass of both 1 proton and 1 electron plus the Einstein energy (</a:t>
+            </a:r>
+            <a:r>
+              <a:rPr lang="en-US" sz="2000" i="1" dirty="0"/>
+              <a:t>E</a:t>
+            </a:r>
+            <a:r>
+              <a:rPr lang="en-US" sz="2000" dirty="0"/>
+              <a:t> = </a:t>
+            </a:r>
+            <a:r>
+              <a:rPr lang="en-US" sz="2000" i="1" dirty="0"/>
+              <a:t>mc</a:t>
+            </a:r>
+            <a:r>
+              <a:rPr lang="en-US" sz="2000" baseline="30000" dirty="0"/>
+              <a:t>2</a:t>
+            </a:r>
+            <a:r>
+              <a:rPr lang="en-US" sz="2000" dirty="0"/>
+              <a:t>) necessary to slam them together.</a:t>
+            </a:r>
+          </a:p>
+          <a:p>
+            <a:pPr marL="0" indent="-1">
+              <a:buNone/>
+            </a:pPr>
+            <a:endParaRPr lang="en-US" sz="1800" dirty="0"/>
+          </a:p>
+          <a:p>
+            <a:pPr marL="0" indent="-1">
+              <a:buNone/>
+            </a:pPr>
+            <a:r>
+              <a:rPr lang="en-US" sz="1800" dirty="0"/>
+              <a:t>Neutrons can undergo radioactive decay into a particle that is +1 (proton or anti-proton) and –1 (electron) particles</a:t>
+            </a:r>
+          </a:p>
+          <a:p>
+            <a:pPr marL="815975" lvl="2" indent="-296863">
+              <a:buFont typeface="+mj-lt"/>
+              <a:buAutoNum type="arabicPeriod"/>
+            </a:pPr>
+            <a:endParaRPr lang="en-US" dirty="0">
+              <a:solidFill>
+                <a:srgbClr val="00FF00"/>
+              </a:solidFill>
+            </a:endParaRPr>
+          </a:p>
+        </p:txBody>
+      </p:sp>
+      <p:sp>
+        <p:nvSpPr>
+          <p:cNvPr id="2" name="Title 1"/>
+          <p:cNvSpPr>
+            <a:spLocks noGrp="1"/>
+          </p:cNvSpPr>
+          <p:nvPr>
+            <p:ph type="title"/>
+          </p:nvPr>
+        </p:nvSpPr>
+        <p:spPr/>
+        <p:txBody>
+          <a:bodyPr/>
+          <a:lstStyle/>
+          <a:p>
+            <a:r>
+              <a:rPr lang="en-US" dirty="0"/>
+              <a:t>Atomic Weight Explained</a:t>
+            </a:r>
+          </a:p>
+        </p:txBody>
+      </p:sp>
+    </p:spTree>
+    <p:extLst>
+      <p:ext uri="{BB962C8B-B14F-4D97-AF65-F5344CB8AC3E}">
+        <p14:creationId xmlns:p14="http://schemas.microsoft.com/office/powerpoint/2010/main" val="1709234387"/>
+      </p:ext>
+    </p:extLst>
+  </p:cSld>
+  <p:clrMapOvr>
+    <a:masterClrMapping/>
+  </p:clrMapOvr>
+</p:sld>
+</file>
+
+<file path=ppt/slides/slide13.xml><?xml version="1.0" encoding="utf-8"?>
+<p:sld xmlns:a="http://schemas.openxmlformats.org/drawingml/2006/main" xmlns:r="http://schemas.openxmlformats.org/officeDocument/2006/relationships" xmlns:p="http://schemas.openxmlformats.org/presentationml/2006/main">
+  <p:cSld>
+    <p:spTree>
+      <p:nvGrpSpPr>
+        <p:cNvPr id="1" name=""/>
+        <p:cNvGrpSpPr/>
+        <p:nvPr/>
+      </p:nvGrpSpPr>
+      <p:grpSpPr>
+        <a:xfrm>
+          <a:off x="0" y="0"/>
+          <a:ext cx="0" cy="0"/>
+          <a:chOff x="0" y="0"/>
+          <a:chExt cx="0" cy="0"/>
+        </a:xfrm>
+      </p:grpSpPr>
+      <p:sp>
+        <p:nvSpPr>
+          <p:cNvPr id="4" name="Content Placeholder 3"/>
+          <p:cNvSpPr>
+            <a:spLocks noGrp="1"/>
+          </p:cNvSpPr>
+          <p:nvPr>
+            <p:ph idx="1"/>
+          </p:nvPr>
+        </p:nvSpPr>
+        <p:spPr/>
+        <p:txBody>
+          <a:bodyPr/>
+          <a:lstStyle/>
+          <a:p>
+            <a:r>
+              <a:rPr lang="en-US" dirty="0"/>
+              <a:t>Elements all have the same number of protons</a:t>
+            </a:r>
+          </a:p>
+          <a:p>
+            <a:r>
+              <a:rPr lang="en-US" dirty="0"/>
+              <a:t>But elements can have different number of neutrons</a:t>
+            </a:r>
+          </a:p>
+          <a:p>
+            <a:r>
+              <a:rPr lang="en-US" dirty="0"/>
+              <a:t>An element with different numbers of neutrons is an </a:t>
+            </a:r>
+            <a:r>
+              <a:rPr lang="en-US" dirty="0">
+                <a:solidFill>
+                  <a:srgbClr val="00FF00"/>
+                </a:solidFill>
+              </a:rPr>
+              <a:t>isotope</a:t>
+            </a:r>
+            <a:r>
+              <a:rPr lang="en-US" dirty="0"/>
+              <a:t> of the element</a:t>
+            </a:r>
+          </a:p>
+          <a:p>
+            <a:r>
+              <a:rPr lang="en-US" dirty="0"/>
+              <a:t>When referring to an isotope of an element, use this</a:t>
+            </a:r>
+          </a:p>
+          <a:p>
+            <a:endParaRPr lang="en-US" dirty="0"/>
+          </a:p>
+          <a:p>
+            <a:pPr marL="0" indent="0">
+              <a:buNone/>
+            </a:pPr>
+            <a:r>
+              <a:rPr lang="en-US" dirty="0"/>
+              <a:t>Where</a:t>
+            </a:r>
+          </a:p>
+          <a:p>
+            <a:r>
+              <a:rPr lang="en-US" i="1" dirty="0"/>
+              <a:t>×</a:t>
+            </a:r>
+            <a:r>
+              <a:rPr lang="en-US" dirty="0"/>
+              <a:t> is element symbol (</a:t>
+            </a:r>
+            <a:r>
+              <a:rPr lang="en-US" dirty="0" err="1"/>
+              <a:t>e.g</a:t>
+            </a:r>
+            <a:r>
+              <a:rPr lang="en-US" dirty="0"/>
+              <a:t>, hydrogen = H)</a:t>
+            </a:r>
+          </a:p>
+          <a:p>
+            <a:r>
+              <a:rPr lang="en-US" i="1" dirty="0"/>
+              <a:t>A</a:t>
+            </a:r>
+            <a:r>
+              <a:rPr lang="en-US" dirty="0"/>
+              <a:t> is </a:t>
+            </a:r>
+            <a:r>
+              <a:rPr lang="en-US" dirty="0">
+                <a:solidFill>
+                  <a:srgbClr val="FFFF00"/>
+                </a:solidFill>
+              </a:rPr>
+              <a:t>atomic number</a:t>
+            </a:r>
+            <a:r>
+              <a:rPr lang="en-US" dirty="0"/>
+              <a:t>, = # protons (A = 1 for H)</a:t>
+            </a:r>
+          </a:p>
+          <a:p>
+            <a:r>
+              <a:rPr lang="en-US" i="1" dirty="0"/>
+              <a:t>Z</a:t>
+            </a:r>
+            <a:r>
+              <a:rPr lang="en-US" dirty="0"/>
+              <a:t> is </a:t>
+            </a:r>
+            <a:r>
+              <a:rPr lang="en-US" dirty="0">
+                <a:solidFill>
+                  <a:srgbClr val="FFFF00"/>
+                </a:solidFill>
+              </a:rPr>
+              <a:t>mass number</a:t>
+            </a:r>
+            <a:r>
+              <a:rPr lang="en-US" dirty="0"/>
+              <a:t>, = #protons + #neutrons</a:t>
+            </a:r>
+          </a:p>
+        </p:txBody>
+      </p:sp>
+      <p:sp>
+        <p:nvSpPr>
+          <p:cNvPr id="2" name="Title 1"/>
+          <p:cNvSpPr>
+            <a:spLocks noGrp="1"/>
+          </p:cNvSpPr>
+          <p:nvPr>
+            <p:ph type="title"/>
+          </p:nvPr>
+        </p:nvSpPr>
+        <p:spPr/>
+        <p:txBody>
+          <a:bodyPr/>
+          <a:lstStyle/>
+          <a:p>
+            <a:r>
+              <a:rPr lang="en-US" dirty="0"/>
+              <a:t>Atomic Weight Explained</a:t>
+            </a:r>
+          </a:p>
+        </p:txBody>
+      </p:sp>
+      <p:pic>
+        <p:nvPicPr>
+          <p:cNvPr id="2051" name="Picture 3"/>
+          <p:cNvPicPr>
+            <a:picLocks noChangeAspect="1" noChangeArrowheads="1"/>
+          </p:cNvPicPr>
+          <p:nvPr/>
+        </p:nvPicPr>
+        <p:blipFill>
+          <a:blip r:embed="rId2">
+            <a:extLst>
+              <a:ext uri="{28A0092B-C50C-407E-A947-70E740481C1C}">
+                <a14:useLocalDpi xmlns:a14="http://schemas.microsoft.com/office/drawing/2010/main" val="0"/>
+              </a:ext>
+            </a:extLst>
+          </a:blip>
+          <a:srcRect/>
+          <a:stretch>
+            <a:fillRect/>
+          </a:stretch>
+        </p:blipFill>
+        <p:spPr bwMode="auto">
+          <a:xfrm>
+            <a:off x="1577617" y="3853547"/>
+            <a:ext cx="795470" cy="892628"/>
+          </a:xfrm>
+          <a:prstGeom prst="rect">
+            <a:avLst/>
+          </a:prstGeom>
+          <a:noFill/>
+          <a:ln>
+            <a:noFill/>
+          </a:ln>
+          <a:extLst>
+            <a:ext uri="{909E8E84-426E-40DD-AFC4-6F175D3DCCD1}">
+              <a14:hiddenFill xmlns:a14="http://schemas.microsoft.com/office/drawing/2010/main">
+                <a:solidFill>
+                  <a:schemeClr val="accent1"/>
+                </a:solidFill>
+              </a14:hiddenFill>
+            </a:ext>
+            <a:ext uri="{91240B29-F687-4F45-9708-019B960494DF}">
+              <a14:hiddenLine xmlns:a14="http://schemas.microsoft.com/office/drawing/2010/main" w="9525">
+                <a:solidFill>
+                  <a:schemeClr val="tx1"/>
+                </a:solidFill>
+                <a:miter lim="800000"/>
+                <a:headEnd/>
+                <a:tailEnd/>
+              </a14:hiddenLine>
+            </a:ext>
+          </a:extLst>
+        </p:spPr>
+      </p:pic>
+    </p:spTree>
+    <p:extLst>
+      <p:ext uri="{BB962C8B-B14F-4D97-AF65-F5344CB8AC3E}">
+        <p14:creationId xmlns:p14="http://schemas.microsoft.com/office/powerpoint/2010/main" val="3336068234"/>
+      </p:ext>
+    </p:extLst>
+  </p:cSld>
+  <p:clrMapOvr>
+    <a:masterClrMapping/>
+  </p:clrMapOvr>
+</p:sld>
+</file>
+
+<file path=ppt/slides/slide14.xml><?xml version="1.0" encoding="utf-8"?>
+<p:sld xmlns:a="http://schemas.openxmlformats.org/drawingml/2006/main" xmlns:r="http://schemas.openxmlformats.org/officeDocument/2006/relationships" xmlns:p="http://schemas.openxmlformats.org/presentationml/2006/main">
+  <p:cSld>
+    <p:spTree>
+      <p:nvGrpSpPr>
+        <p:cNvPr id="1" name=""/>
+        <p:cNvGrpSpPr/>
+        <p:nvPr/>
+      </p:nvGrpSpPr>
+      <p:grpSpPr>
+        <a:xfrm>
+          <a:off x="0" y="0"/>
+          <a:ext cx="0" cy="0"/>
+          <a:chOff x="0" y="0"/>
+          <a:chExt cx="0" cy="0"/>
+        </a:xfrm>
+      </p:grpSpPr>
+      <p:sp>
+        <p:nvSpPr>
+          <p:cNvPr id="4" name="Content Placeholder 3"/>
+          <p:cNvSpPr>
+            <a:spLocks noGrp="1"/>
+          </p:cNvSpPr>
+          <p:nvPr>
+            <p:ph idx="1"/>
+          </p:nvPr>
+        </p:nvSpPr>
+        <p:spPr/>
+        <p:txBody>
+          <a:bodyPr/>
+          <a:lstStyle/>
+          <a:p>
+            <a:pPr marL="0" indent="0">
+              <a:buNone/>
+            </a:pPr>
+            <a:r>
+              <a:rPr lang="en-US" dirty="0"/>
+              <a:t>Hydrogen has three isotopes:</a:t>
+            </a:r>
+          </a:p>
+          <a:p>
+            <a:pPr marL="457200" indent="-457200">
+              <a:buFont typeface="+mj-lt"/>
+              <a:buAutoNum type="arabicPeriod"/>
+            </a:pPr>
+            <a:r>
+              <a:rPr lang="en-US" dirty="0" err="1"/>
+              <a:t>Protium</a:t>
+            </a:r>
+            <a:r>
+              <a:rPr lang="en-US" dirty="0"/>
+              <a:t> (</a:t>
+            </a:r>
+            <a:r>
+              <a:rPr lang="en-US" baseline="30000" dirty="0"/>
+              <a:t>1</a:t>
+            </a:r>
+            <a:r>
+              <a:rPr lang="en-US" baseline="-25000" dirty="0"/>
+              <a:t>1</a:t>
+            </a:r>
+            <a:r>
+              <a:rPr lang="en-US" dirty="0"/>
+              <a:t>H)</a:t>
+            </a:r>
+          </a:p>
+          <a:p>
+            <a:pPr marL="579438" lvl="1" indent="-342900"/>
+            <a:r>
+              <a:rPr lang="en-US" dirty="0"/>
+              <a:t>1 proton, 0 neutrons</a:t>
+            </a:r>
+          </a:p>
+          <a:p>
+            <a:pPr marL="579438" lvl="1" indent="-342900"/>
+            <a:r>
+              <a:rPr lang="en-US" dirty="0"/>
+              <a:t>usually just called "hydrogen"</a:t>
+            </a:r>
+          </a:p>
+          <a:p>
+            <a:pPr marL="579438" lvl="1" indent="-342900"/>
+            <a:r>
+              <a:rPr lang="en-US" dirty="0"/>
+              <a:t>99.9885% of all hydrogen isotopes in nature is this isotope</a:t>
+            </a:r>
+          </a:p>
+          <a:p>
+            <a:pPr marL="457200" indent="-457200">
+              <a:buFont typeface="+mj-lt"/>
+              <a:buAutoNum type="arabicPeriod"/>
+            </a:pPr>
+            <a:r>
+              <a:rPr lang="en-US" dirty="0"/>
+              <a:t>Deuterium (</a:t>
+            </a:r>
+            <a:r>
+              <a:rPr lang="en-US" baseline="30000" dirty="0"/>
+              <a:t>2</a:t>
+            </a:r>
+            <a:r>
+              <a:rPr lang="en-US" baseline="-25000" dirty="0"/>
+              <a:t>1</a:t>
+            </a:r>
+            <a:r>
+              <a:rPr lang="en-US" dirty="0"/>
+              <a:t>H)</a:t>
+            </a:r>
+          </a:p>
+          <a:p>
+            <a:pPr marL="579438" lvl="1" indent="-342900"/>
+            <a:r>
+              <a:rPr lang="en-US" dirty="0"/>
+              <a:t>1 proton, 1 neutron</a:t>
+            </a:r>
+          </a:p>
+          <a:p>
+            <a:pPr marL="579438" lvl="1" indent="-342900"/>
+            <a:r>
+              <a:rPr lang="en-US" dirty="0"/>
+              <a:t>It is a </a:t>
+            </a:r>
+            <a:r>
+              <a:rPr lang="en-US" dirty="0">
+                <a:solidFill>
+                  <a:srgbClr val="00FF00"/>
+                </a:solidFill>
+              </a:rPr>
+              <a:t>stable</a:t>
+            </a:r>
+            <a:r>
+              <a:rPr lang="en-US" dirty="0"/>
+              <a:t> isotope</a:t>
+            </a:r>
+          </a:p>
+          <a:p>
+            <a:pPr marL="579438" lvl="1" indent="-342900"/>
+            <a:r>
+              <a:rPr lang="en-US" dirty="0"/>
+              <a:t>0.0115% of hydrogen isotopes is deuterium in nature</a:t>
+            </a:r>
+          </a:p>
+          <a:p>
+            <a:pPr marL="457200" indent="-457200">
+              <a:buFont typeface="+mj-lt"/>
+              <a:buAutoNum type="arabicPeriod"/>
+            </a:pPr>
+            <a:r>
+              <a:rPr lang="en-US" dirty="0"/>
+              <a:t>Tritium (</a:t>
+            </a:r>
+            <a:r>
+              <a:rPr lang="en-US" baseline="30000" dirty="0"/>
+              <a:t>3</a:t>
+            </a:r>
+            <a:r>
+              <a:rPr lang="en-US" baseline="-25000" dirty="0"/>
+              <a:t>1</a:t>
+            </a:r>
+            <a:r>
+              <a:rPr lang="en-US" dirty="0"/>
+              <a:t>H)</a:t>
+            </a:r>
+          </a:p>
+          <a:p>
+            <a:pPr marL="579438" lvl="1" indent="-342900"/>
+            <a:r>
+              <a:rPr lang="en-US" dirty="0"/>
+              <a:t>1 proton, 2 neutrons</a:t>
+            </a:r>
+          </a:p>
+          <a:p>
+            <a:pPr marL="579438" lvl="1" indent="-342900"/>
+            <a:r>
+              <a:rPr lang="en-US" dirty="0"/>
+              <a:t>It is an </a:t>
+            </a:r>
+            <a:r>
+              <a:rPr lang="en-US" dirty="0">
+                <a:solidFill>
+                  <a:srgbClr val="00FF00"/>
+                </a:solidFill>
+              </a:rPr>
+              <a:t>unstable</a:t>
+            </a:r>
+            <a:r>
+              <a:rPr lang="en-US" dirty="0"/>
+              <a:t> isotope, meaning it is radioactive</a:t>
+            </a:r>
+          </a:p>
+          <a:p>
+            <a:pPr marL="579438" lvl="1" indent="-342900"/>
+            <a:r>
+              <a:rPr lang="en-US" dirty="0"/>
+              <a:t>Probably less than 0.00000001% in nature</a:t>
+            </a:r>
+          </a:p>
+          <a:p>
+            <a:endParaRPr lang="en-US" dirty="0"/>
+          </a:p>
+        </p:txBody>
+      </p:sp>
+      <p:sp>
+        <p:nvSpPr>
+          <p:cNvPr id="2" name="Title 1"/>
+          <p:cNvSpPr>
+            <a:spLocks noGrp="1"/>
+          </p:cNvSpPr>
+          <p:nvPr>
+            <p:ph type="title"/>
+          </p:nvPr>
+        </p:nvSpPr>
+        <p:spPr/>
+        <p:txBody>
+          <a:bodyPr/>
+          <a:lstStyle/>
+          <a:p>
+            <a:r>
+              <a:rPr lang="en-US" dirty="0"/>
+              <a:t>Atomic Weight Explained</a:t>
+            </a:r>
+          </a:p>
+        </p:txBody>
+      </p:sp>
+      <p:pic>
+        <p:nvPicPr>
+          <p:cNvPr id="3074" name="Picture 2"/>
+          <p:cNvPicPr>
+            <a:picLocks noChangeAspect="1" noChangeArrowheads="1"/>
+          </p:cNvPicPr>
+          <p:nvPr/>
+        </p:nvPicPr>
+        <p:blipFill>
+          <a:blip r:embed="rId2">
+            <a:extLst>
+              <a:ext uri="{28A0092B-C50C-407E-A947-70E740481C1C}">
+                <a14:useLocalDpi xmlns:a14="http://schemas.microsoft.com/office/drawing/2010/main" val="0"/>
+              </a:ext>
+            </a:extLst>
+          </a:blip>
+          <a:srcRect/>
+          <a:stretch>
+            <a:fillRect/>
+          </a:stretch>
+        </p:blipFill>
+        <p:spPr bwMode="auto">
+          <a:xfrm>
+            <a:off x="5429931" y="1164772"/>
+            <a:ext cx="3400425" cy="1676400"/>
+          </a:xfrm>
+          <a:prstGeom prst="rect">
+            <a:avLst/>
+          </a:prstGeom>
+          <a:noFill/>
+          <a:ln>
+            <a:noFill/>
+          </a:ln>
+          <a:extLst>
+            <a:ext uri="{909E8E84-426E-40DD-AFC4-6F175D3DCCD1}">
+              <a14:hiddenFill xmlns:a14="http://schemas.microsoft.com/office/drawing/2010/main">
+                <a:solidFill>
+                  <a:schemeClr val="accent1"/>
+                </a:solidFill>
+              </a14:hiddenFill>
+            </a:ext>
+            <a:ext uri="{91240B29-F687-4F45-9708-019B960494DF}">
+              <a14:hiddenLine xmlns:a14="http://schemas.microsoft.com/office/drawing/2010/main" w="9525">
+                <a:solidFill>
+                  <a:schemeClr val="tx1"/>
+                </a:solidFill>
+                <a:miter lim="800000"/>
+                <a:headEnd/>
+                <a:tailEnd/>
+              </a14:hiddenLine>
+            </a:ext>
+          </a:extLst>
+        </p:spPr>
+      </p:pic>
+    </p:spTree>
+    <p:extLst>
+      <p:ext uri="{BB962C8B-B14F-4D97-AF65-F5344CB8AC3E}">
+        <p14:creationId xmlns:p14="http://schemas.microsoft.com/office/powerpoint/2010/main" val="168383520"/>
+      </p:ext>
+    </p:extLst>
+  </p:cSld>
+  <p:clrMapOvr>
+    <a:masterClrMapping/>
+  </p:clrMapOvr>
+</p:sld>
+</file>
+
+<file path=ppt/slides/slide15.xml><?xml version="1.0" encoding="utf-8"?>
+<p:sld xmlns:a="http://schemas.openxmlformats.org/drawingml/2006/main" xmlns:r="http://schemas.openxmlformats.org/officeDocument/2006/relationships" xmlns:p="http://schemas.openxmlformats.org/presentationml/2006/main">
+  <p:cSld>
+    <p:spTree>
+      <p:nvGrpSpPr>
+        <p:cNvPr id="1" name=""/>
+        <p:cNvGrpSpPr/>
+        <p:nvPr/>
+      </p:nvGrpSpPr>
+      <p:grpSpPr>
+        <a:xfrm>
+          <a:off x="0" y="0"/>
+          <a:ext cx="0" cy="0"/>
+          <a:chOff x="0" y="0"/>
+          <a:chExt cx="0" cy="0"/>
+        </a:xfrm>
+      </p:grpSpPr>
+      <p:sp>
+        <p:nvSpPr>
           <p:cNvPr id="4" name="Content Placeholder 3"/>
           <p:cNvSpPr>
             <a:spLocks noGrp="1"/>
@@ -10352,7 +11516,7 @@
 </p:sld>
 </file>
 
-<file path=ppt/slides/slide11.xml><?xml version="1.0" encoding="utf-8"?>
+<file path=ppt/slides/slide16.xml><?xml version="1.0" encoding="utf-8"?>
 <p:sld xmlns:a="http://schemas.openxmlformats.org/drawingml/2006/main" xmlns:r="http://schemas.openxmlformats.org/officeDocument/2006/relationships" xmlns:p="http://schemas.openxmlformats.org/presentationml/2006/main">
   <p:cSld>
     <p:spTree>
@@ -10423,7 +11587,7 @@
 </p:sld>
 </file>
 
-<file path=ppt/slides/slide12.xml><?xml version="1.0" encoding="utf-8"?>
+<file path=ppt/slides/slide17.xml><?xml version="1.0" encoding="utf-8"?>
 <p:sld xmlns:a="http://schemas.openxmlformats.org/drawingml/2006/main" xmlns:r="http://schemas.openxmlformats.org/officeDocument/2006/relationships" xmlns:p="http://schemas.openxmlformats.org/presentationml/2006/main">
   <p:cSld>
     <p:spTree>
@@ -10747,7 +11911,7 @@
 </p:sld>
 </file>
 
-<file path=ppt/slides/slide13.xml><?xml version="1.0" encoding="utf-8"?>
+<file path=ppt/slides/slide18.xml><?xml version="1.0" encoding="utf-8"?>
 <p:sld xmlns:a="http://schemas.openxmlformats.org/drawingml/2006/main" xmlns:r="http://schemas.openxmlformats.org/officeDocument/2006/relationships" xmlns:p="http://schemas.openxmlformats.org/presentationml/2006/main">
   <p:cSld>
     <p:spTree>
@@ -11196,7 +12360,7 @@
 </p:sld>
 </file>
 
-<file path=ppt/slides/slide14.xml><?xml version="1.0" encoding="utf-8"?>
+<file path=ppt/slides/slide19.xml><?xml version="1.0" encoding="utf-8"?>
 <p:sld xmlns:a="http://schemas.openxmlformats.org/drawingml/2006/main" xmlns:r="http://schemas.openxmlformats.org/officeDocument/2006/relationships" xmlns:p="http://schemas.openxmlformats.org/presentationml/2006/main">
   <p:cSld>
     <p:spTree>
@@ -11687,7 +12851,153 @@
 </p:sld>
 </file>
 
-<file path=ppt/slides/slide15.xml><?xml version="1.0" encoding="utf-8"?>
+<file path=ppt/slides/slide2.xml><?xml version="1.0" encoding="utf-8"?>
+<p:sld xmlns:a="http://schemas.openxmlformats.org/drawingml/2006/main" xmlns:r="http://schemas.openxmlformats.org/officeDocument/2006/relationships" xmlns:p="http://schemas.openxmlformats.org/presentationml/2006/main">
+  <p:cSld>
+    <p:spTree>
+      <p:nvGrpSpPr>
+        <p:cNvPr id="1" name="">
+          <a:extLst>
+            <a:ext uri="{FF2B5EF4-FFF2-40B4-BE49-F238E27FC236}">
+              <a16:creationId xmlns:a16="http://schemas.microsoft.com/office/drawing/2014/main" id="{65078178-09A5-760C-4B2B-FE5DCFDCDACD}"/>
+            </a:ext>
+          </a:extLst>
+        </p:cNvPr>
+        <p:cNvGrpSpPr/>
+        <p:nvPr/>
+      </p:nvGrpSpPr>
+      <p:grpSpPr>
+        <a:xfrm>
+          <a:off x="0" y="0"/>
+          <a:ext cx="0" cy="0"/>
+          <a:chOff x="0" y="0"/>
+          <a:chExt cx="0" cy="0"/>
+        </a:xfrm>
+      </p:grpSpPr>
+      <p:sp>
+        <p:nvSpPr>
+          <p:cNvPr id="4" name="Title 3">
+            <a:extLst>
+              <a:ext uri="{FF2B5EF4-FFF2-40B4-BE49-F238E27FC236}">
+                <a16:creationId xmlns:a16="http://schemas.microsoft.com/office/drawing/2014/main" id="{F24B865D-5DA3-6C23-2A19-B874111D5765}"/>
+              </a:ext>
+            </a:extLst>
+          </p:cNvPr>
+          <p:cNvSpPr>
+            <a:spLocks noGrp="1"/>
+          </p:cNvSpPr>
+          <p:nvPr>
+            <p:ph type="title"/>
+          </p:nvPr>
+        </p:nvSpPr>
+        <p:spPr>
+          <a:xfrm>
+            <a:off x="364067" y="306073"/>
+            <a:ext cx="8421512" cy="707886"/>
+          </a:xfrm>
+        </p:spPr>
+        <p:txBody>
+          <a:bodyPr/>
+          <a:lstStyle/>
+          <a:p>
+            <a:endParaRPr lang="en-US" sz="4000" dirty="0"/>
+          </a:p>
+        </p:txBody>
+      </p:sp>
+      <p:sp>
+        <p:nvSpPr>
+          <p:cNvPr id="5" name="Content Placeholder 4">
+            <a:extLst>
+              <a:ext uri="{FF2B5EF4-FFF2-40B4-BE49-F238E27FC236}">
+                <a16:creationId xmlns:a16="http://schemas.microsoft.com/office/drawing/2014/main" id="{661649CD-26F3-FDAC-6641-475A24C14B07}"/>
+              </a:ext>
+            </a:extLst>
+          </p:cNvPr>
+          <p:cNvSpPr>
+            <a:spLocks noGrp="1"/>
+          </p:cNvSpPr>
+          <p:nvPr>
+            <p:ph idx="1"/>
+          </p:nvPr>
+        </p:nvSpPr>
+        <p:spPr/>
+        <p:txBody>
+          <a:bodyPr/>
+          <a:lstStyle/>
+          <a:p>
+            <a:r>
+              <a:rPr lang="en-US" sz="2800" dirty="0"/>
+              <a:t>Scientific Method</a:t>
+            </a:r>
+          </a:p>
+          <a:p>
+            <a:r>
+              <a:rPr lang="en-US" sz="2800" dirty="0"/>
+              <a:t>Atomic Theory</a:t>
+            </a:r>
+          </a:p>
+          <a:p>
+            <a:r>
+              <a:rPr lang="en-US" sz="2800" dirty="0"/>
+              <a:t>Subatomic Structure: protons, electrons, neutrons</a:t>
+            </a:r>
+          </a:p>
+          <a:p>
+            <a:r>
+              <a:rPr lang="en-US" sz="2800" dirty="0"/>
+              <a:t>Atomic Properties</a:t>
+            </a:r>
+          </a:p>
+          <a:p>
+            <a:r>
+              <a:rPr lang="en-US" sz="2800" dirty="0"/>
+              <a:t>Patterns of matter: Periodic Table</a:t>
+            </a:r>
+          </a:p>
+          <a:p>
+            <a:r>
+              <a:rPr lang="en-US" sz="2800" dirty="0"/>
+              <a:t>Electric properties of atoms: ions</a:t>
+            </a:r>
+          </a:p>
+          <a:p>
+            <a:r>
+              <a:rPr lang="en-US" sz="2800" dirty="0"/>
+              <a:t>Neutrons and isotopes</a:t>
+            </a:r>
+          </a:p>
+          <a:p>
+            <a:r>
+              <a:rPr lang="en-US" sz="2800" dirty="0"/>
+              <a:t>Atomic mass: weight average of atoms</a:t>
+            </a:r>
+          </a:p>
+          <a:p>
+            <a:r>
+              <a:rPr lang="en-US" sz="2800" dirty="0"/>
+              <a:t>Review</a:t>
+            </a:r>
+          </a:p>
+          <a:p>
+            <a:pPr lvl="1"/>
+            <a:endParaRPr lang="en-US" dirty="0"/>
+          </a:p>
+        </p:txBody>
+      </p:sp>
+    </p:spTree>
+    <p:extLst>
+      <p:ext uri="{BB962C8B-B14F-4D97-AF65-F5344CB8AC3E}">
+        <p14:creationId xmlns:p14="http://schemas.microsoft.com/office/powerpoint/2010/main" val="338814170"/>
+      </p:ext>
+    </p:extLst>
+  </p:cSld>
+  <p:clrMapOvr>
+    <a:masterClrMapping/>
+  </p:clrMapOvr>
+</p:sld>
+</file>
+
+<file path=ppt/slides/slide20.xml><?xml version="1.0" encoding="utf-8"?>
 <p:sld xmlns:a="http://schemas.openxmlformats.org/drawingml/2006/main" xmlns:r="http://schemas.openxmlformats.org/officeDocument/2006/relationships" xmlns:p="http://schemas.openxmlformats.org/presentationml/2006/main">
   <p:cSld>
     <p:spTree>
@@ -12005,7 +13315,7 @@
 </p:sld>
 </file>
 
-<file path=ppt/slides/slide16.xml><?xml version="1.0" encoding="utf-8"?>
+<file path=ppt/slides/slide21.xml><?xml version="1.0" encoding="utf-8"?>
 <p:sld xmlns:a="http://schemas.openxmlformats.org/drawingml/2006/main" xmlns:r="http://schemas.openxmlformats.org/officeDocument/2006/relationships" xmlns:p="http://schemas.openxmlformats.org/presentationml/2006/main">
   <p:cSld>
     <p:spTree>
@@ -12262,7 +13572,7 @@
 </p:sld>
 </file>
 
-<file path=ppt/slides/slide17.xml><?xml version="1.0" encoding="utf-8"?>
+<file path=ppt/slides/slide22.xml><?xml version="1.0" encoding="utf-8"?>
 <p:sld xmlns:a="http://schemas.openxmlformats.org/drawingml/2006/main" xmlns:r="http://schemas.openxmlformats.org/officeDocument/2006/relationships" xmlns:p="http://schemas.openxmlformats.org/presentationml/2006/main">
   <p:cSld>
     <p:spTree>
@@ -12562,7 +13872,7 @@
 </p:sld>
 </file>
 
-<file path=ppt/slides/slide18.xml><?xml version="1.0" encoding="utf-8"?>
+<file path=ppt/slides/slide23.xml><?xml version="1.0" encoding="utf-8"?>
 <p:sld xmlns:a="http://schemas.openxmlformats.org/drawingml/2006/main" xmlns:r="http://schemas.openxmlformats.org/officeDocument/2006/relationships" xmlns:p="http://schemas.openxmlformats.org/presentationml/2006/main">
   <p:cSld>
     <p:spTree>
@@ -12874,7 +14184,7 @@
 </p:sld>
 </file>
 
-<file path=ppt/slides/slide19.xml><?xml version="1.0" encoding="utf-8"?>
+<file path=ppt/slides/slide24.xml><?xml version="1.0" encoding="utf-8"?>
 <p:sld xmlns:a="http://schemas.openxmlformats.org/drawingml/2006/main" xmlns:r="http://schemas.openxmlformats.org/officeDocument/2006/relationships" xmlns:p="http://schemas.openxmlformats.org/presentationml/2006/main">
   <p:cSld>
     <p:spTree>
@@ -13300,153 +14610,7 @@
 </p:sld>
 </file>
 
-<file path=ppt/slides/slide2.xml><?xml version="1.0" encoding="utf-8"?>
-<p:sld xmlns:a="http://schemas.openxmlformats.org/drawingml/2006/main" xmlns:r="http://schemas.openxmlformats.org/officeDocument/2006/relationships" xmlns:p="http://schemas.openxmlformats.org/presentationml/2006/main">
-  <p:cSld>
-    <p:spTree>
-      <p:nvGrpSpPr>
-        <p:cNvPr id="1" name="">
-          <a:extLst>
-            <a:ext uri="{FF2B5EF4-FFF2-40B4-BE49-F238E27FC236}">
-              <a16:creationId xmlns:a16="http://schemas.microsoft.com/office/drawing/2014/main" id="{65078178-09A5-760C-4B2B-FE5DCFDCDACD}"/>
-            </a:ext>
-          </a:extLst>
-        </p:cNvPr>
-        <p:cNvGrpSpPr/>
-        <p:nvPr/>
-      </p:nvGrpSpPr>
-      <p:grpSpPr>
-        <a:xfrm>
-          <a:off x="0" y="0"/>
-          <a:ext cx="0" cy="0"/>
-          <a:chOff x="0" y="0"/>
-          <a:chExt cx="0" cy="0"/>
-        </a:xfrm>
-      </p:grpSpPr>
-      <p:sp>
-        <p:nvSpPr>
-          <p:cNvPr id="4" name="Title 3">
-            <a:extLst>
-              <a:ext uri="{FF2B5EF4-FFF2-40B4-BE49-F238E27FC236}">
-                <a16:creationId xmlns:a16="http://schemas.microsoft.com/office/drawing/2014/main" id="{F24B865D-5DA3-6C23-2A19-B874111D5765}"/>
-              </a:ext>
-            </a:extLst>
-          </p:cNvPr>
-          <p:cNvSpPr>
-            <a:spLocks noGrp="1"/>
-          </p:cNvSpPr>
-          <p:nvPr>
-            <p:ph type="title"/>
-          </p:nvPr>
-        </p:nvSpPr>
-        <p:spPr>
-          <a:xfrm>
-            <a:off x="364067" y="306073"/>
-            <a:ext cx="8421512" cy="707886"/>
-          </a:xfrm>
-        </p:spPr>
-        <p:txBody>
-          <a:bodyPr/>
-          <a:lstStyle/>
-          <a:p>
-            <a:endParaRPr lang="en-US" sz="4000" dirty="0"/>
-          </a:p>
-        </p:txBody>
-      </p:sp>
-      <p:sp>
-        <p:nvSpPr>
-          <p:cNvPr id="5" name="Content Placeholder 4">
-            <a:extLst>
-              <a:ext uri="{FF2B5EF4-FFF2-40B4-BE49-F238E27FC236}">
-                <a16:creationId xmlns:a16="http://schemas.microsoft.com/office/drawing/2014/main" id="{661649CD-26F3-FDAC-6641-475A24C14B07}"/>
-              </a:ext>
-            </a:extLst>
-          </p:cNvPr>
-          <p:cNvSpPr>
-            <a:spLocks noGrp="1"/>
-          </p:cNvSpPr>
-          <p:nvPr>
-            <p:ph idx="1"/>
-          </p:nvPr>
-        </p:nvSpPr>
-        <p:spPr/>
-        <p:txBody>
-          <a:bodyPr/>
-          <a:lstStyle/>
-          <a:p>
-            <a:r>
-              <a:rPr lang="en-US" sz="2800" dirty="0"/>
-              <a:t>Scientific Method</a:t>
-            </a:r>
-          </a:p>
-          <a:p>
-            <a:r>
-              <a:rPr lang="en-US" sz="2800" dirty="0"/>
-              <a:t>Atomic Theory</a:t>
-            </a:r>
-          </a:p>
-          <a:p>
-            <a:r>
-              <a:rPr lang="en-US" sz="2800" dirty="0"/>
-              <a:t>Subatomic Structure: protons, electrons, neutrons</a:t>
-            </a:r>
-          </a:p>
-          <a:p>
-            <a:r>
-              <a:rPr lang="en-US" sz="2800" dirty="0"/>
-              <a:t>Atomic Properties</a:t>
-            </a:r>
-          </a:p>
-          <a:p>
-            <a:r>
-              <a:rPr lang="en-US" sz="2800" dirty="0"/>
-              <a:t>Patterns of matter: Periodic Table</a:t>
-            </a:r>
-          </a:p>
-          <a:p>
-            <a:r>
-              <a:rPr lang="en-US" sz="2800" dirty="0"/>
-              <a:t>Electric properties of atoms: ions</a:t>
-            </a:r>
-          </a:p>
-          <a:p>
-            <a:r>
-              <a:rPr lang="en-US" sz="2800" dirty="0"/>
-              <a:t>Neutrons and isotopes</a:t>
-            </a:r>
-          </a:p>
-          <a:p>
-            <a:r>
-              <a:rPr lang="en-US" sz="2800" dirty="0"/>
-              <a:t>Atomic mass: weight average of atoms</a:t>
-            </a:r>
-          </a:p>
-          <a:p>
-            <a:r>
-              <a:rPr lang="en-US" sz="2800" dirty="0"/>
-              <a:t>Review</a:t>
-            </a:r>
-          </a:p>
-          <a:p>
-            <a:pPr lvl="1"/>
-            <a:endParaRPr lang="en-US" dirty="0"/>
-          </a:p>
-        </p:txBody>
-      </p:sp>
-    </p:spTree>
-    <p:extLst>
-      <p:ext uri="{BB962C8B-B14F-4D97-AF65-F5344CB8AC3E}">
-        <p14:creationId xmlns:p14="http://schemas.microsoft.com/office/powerpoint/2010/main" val="338814170"/>
-      </p:ext>
-    </p:extLst>
-  </p:cSld>
-  <p:clrMapOvr>
-    <a:masterClrMapping/>
-  </p:clrMapOvr>
-</p:sld>
-</file>
-
-<file path=ppt/slides/slide20.xml><?xml version="1.0" encoding="utf-8"?>
+<file path=ppt/slides/slide25.xml><?xml version="1.0" encoding="utf-8"?>
 <p:sld xmlns:a="http://schemas.openxmlformats.org/drawingml/2006/main" xmlns:r="http://schemas.openxmlformats.org/officeDocument/2006/relationships" xmlns:p="http://schemas.openxmlformats.org/presentationml/2006/main">
   <p:cSld>
     <p:spTree>
@@ -13753,7 +14917,7 @@
 </p:sld>
 </file>
 
-<file path=ppt/slides/slide21.xml><?xml version="1.0" encoding="utf-8"?>
+<file path=ppt/slides/slide26.xml><?xml version="1.0" encoding="utf-8"?>
 <p:sld xmlns:a="http://schemas.openxmlformats.org/drawingml/2006/main" xmlns:r="http://schemas.openxmlformats.org/officeDocument/2006/relationships" xmlns:p="http://schemas.openxmlformats.org/presentationml/2006/main">
   <p:cSld>
     <p:spTree>
@@ -13852,10 +15016,345 @@
   <p:cSld>
     <p:spTree>
       <p:nvGrpSpPr>
+        <p:cNvPr id="1" name=""/>
+        <p:cNvGrpSpPr/>
+        <p:nvPr/>
+      </p:nvGrpSpPr>
+      <p:grpSpPr>
+        <a:xfrm>
+          <a:off x="0" y="0"/>
+          <a:ext cx="0" cy="0"/>
+          <a:chOff x="0" y="0"/>
+          <a:chExt cx="0" cy="0"/>
+        </a:xfrm>
+      </p:grpSpPr>
+      <p:sp>
+        <p:nvSpPr>
+          <p:cNvPr id="2" name="Title 1">
+            <a:extLst>
+              <a:ext uri="{FF2B5EF4-FFF2-40B4-BE49-F238E27FC236}">
+                <a16:creationId xmlns:a16="http://schemas.microsoft.com/office/drawing/2014/main" id="{AA9D75F5-D9C4-58AB-5B44-C7698FD0CCCD}"/>
+              </a:ext>
+            </a:extLst>
+          </p:cNvPr>
+          <p:cNvSpPr>
+            <a:spLocks noGrp="1"/>
+          </p:cNvSpPr>
+          <p:nvPr>
+            <p:ph type="title"/>
+          </p:nvPr>
+        </p:nvSpPr>
+        <p:spPr/>
+        <p:txBody>
+          <a:bodyPr/>
+          <a:lstStyle/>
+          <a:p>
+            <a:r>
+              <a:rPr lang="en-US" dirty="0"/>
+              <a:t>Scientific Method</a:t>
+            </a:r>
+          </a:p>
+        </p:txBody>
+      </p:sp>
+      <p:sp>
+        <p:nvSpPr>
+          <p:cNvPr id="3" name="Content Placeholder 2">
+            <a:extLst>
+              <a:ext uri="{FF2B5EF4-FFF2-40B4-BE49-F238E27FC236}">
+                <a16:creationId xmlns:a16="http://schemas.microsoft.com/office/drawing/2014/main" id="{736B2AC6-7AD8-E98B-CC7D-D3AFD9571FB3}"/>
+              </a:ext>
+            </a:extLst>
+          </p:cNvPr>
+          <p:cNvSpPr>
+            <a:spLocks noGrp="1"/>
+          </p:cNvSpPr>
+          <p:nvPr>
+            <p:ph idx="1"/>
+          </p:nvPr>
+        </p:nvSpPr>
+        <p:spPr/>
+        <p:txBody>
+          <a:bodyPr/>
+          <a:lstStyle/>
+          <a:p>
+            <a:endParaRPr lang="en-US"/>
+          </a:p>
+        </p:txBody>
+      </p:sp>
+    </p:spTree>
+    <p:extLst>
+      <p:ext uri="{BB962C8B-B14F-4D97-AF65-F5344CB8AC3E}">
+        <p14:creationId xmlns:p14="http://schemas.microsoft.com/office/powerpoint/2010/main" val="1501356199"/>
+      </p:ext>
+    </p:extLst>
+  </p:cSld>
+  <p:clrMapOvr>
+    <a:masterClrMapping/>
+  </p:clrMapOvr>
+</p:sld>
+</file>
+
+<file path=ppt/slides/slide4.xml><?xml version="1.0" encoding="utf-8"?>
+<p:sld xmlns:a="http://schemas.openxmlformats.org/drawingml/2006/main" xmlns:r="http://schemas.openxmlformats.org/officeDocument/2006/relationships" xmlns:p="http://schemas.openxmlformats.org/presentationml/2006/main">
+  <p:cSld>
+    <p:spTree>
+      <p:nvGrpSpPr>
+        <p:cNvPr id="1" name=""/>
+        <p:cNvGrpSpPr/>
+        <p:nvPr/>
+      </p:nvGrpSpPr>
+      <p:grpSpPr>
+        <a:xfrm>
+          <a:off x="0" y="0"/>
+          <a:ext cx="0" cy="0"/>
+          <a:chOff x="0" y="0"/>
+          <a:chExt cx="0" cy="0"/>
+        </a:xfrm>
+      </p:grpSpPr>
+      <p:sp>
+        <p:nvSpPr>
+          <p:cNvPr id="2" name="Title 1">
+            <a:extLst>
+              <a:ext uri="{FF2B5EF4-FFF2-40B4-BE49-F238E27FC236}">
+                <a16:creationId xmlns:a16="http://schemas.microsoft.com/office/drawing/2014/main" id="{C2A991ED-2D71-1A6D-F727-EB4947018088}"/>
+              </a:ext>
+            </a:extLst>
+          </p:cNvPr>
+          <p:cNvSpPr>
+            <a:spLocks noGrp="1"/>
+          </p:cNvSpPr>
+          <p:nvPr>
+            <p:ph type="title"/>
+          </p:nvPr>
+        </p:nvSpPr>
+        <p:spPr/>
+        <p:txBody>
+          <a:bodyPr/>
+          <a:lstStyle/>
+          <a:p>
+            <a:r>
+              <a:rPr lang="en-US" dirty="0"/>
+              <a:t>Atomic Theory</a:t>
+            </a:r>
+          </a:p>
+        </p:txBody>
+      </p:sp>
+      <p:sp>
+        <p:nvSpPr>
+          <p:cNvPr id="3" name="Content Placeholder 2">
+            <a:extLst>
+              <a:ext uri="{FF2B5EF4-FFF2-40B4-BE49-F238E27FC236}">
+                <a16:creationId xmlns:a16="http://schemas.microsoft.com/office/drawing/2014/main" id="{C0A2659B-98D3-1FE7-5A8C-2927CD12649B}"/>
+              </a:ext>
+            </a:extLst>
+          </p:cNvPr>
+          <p:cNvSpPr>
+            <a:spLocks noGrp="1"/>
+          </p:cNvSpPr>
+          <p:nvPr>
+            <p:ph idx="1"/>
+          </p:nvPr>
+        </p:nvSpPr>
+        <p:spPr/>
+        <p:txBody>
+          <a:bodyPr/>
+          <a:lstStyle/>
+          <a:p>
+            <a:endParaRPr lang="en-US"/>
+          </a:p>
+        </p:txBody>
+      </p:sp>
+    </p:spTree>
+    <p:extLst>
+      <p:ext uri="{BB962C8B-B14F-4D97-AF65-F5344CB8AC3E}">
+        <p14:creationId xmlns:p14="http://schemas.microsoft.com/office/powerpoint/2010/main" val="2004397013"/>
+      </p:ext>
+    </p:extLst>
+  </p:cSld>
+  <p:clrMapOvr>
+    <a:masterClrMapping/>
+  </p:clrMapOvr>
+</p:sld>
+</file>
+
+<file path=ppt/slides/slide5.xml><?xml version="1.0" encoding="utf-8"?>
+<p:sld xmlns:a="http://schemas.openxmlformats.org/drawingml/2006/main" xmlns:r="http://schemas.openxmlformats.org/officeDocument/2006/relationships" xmlns:p="http://schemas.openxmlformats.org/presentationml/2006/main">
+  <p:cSld>
+    <p:spTree>
+      <p:nvGrpSpPr>
+        <p:cNvPr id="1" name=""/>
+        <p:cNvGrpSpPr/>
+        <p:nvPr/>
+      </p:nvGrpSpPr>
+      <p:grpSpPr>
+        <a:xfrm>
+          <a:off x="0" y="0"/>
+          <a:ext cx="0" cy="0"/>
+          <a:chOff x="0" y="0"/>
+          <a:chExt cx="0" cy="0"/>
+        </a:xfrm>
+      </p:grpSpPr>
+      <p:sp>
+        <p:nvSpPr>
+          <p:cNvPr id="2" name="Title 1">
+            <a:extLst>
+              <a:ext uri="{FF2B5EF4-FFF2-40B4-BE49-F238E27FC236}">
+                <a16:creationId xmlns:a16="http://schemas.microsoft.com/office/drawing/2014/main" id="{1C04359F-E123-2A9F-20CD-EA9BE931733F}"/>
+              </a:ext>
+            </a:extLst>
+          </p:cNvPr>
+          <p:cNvSpPr>
+            <a:spLocks noGrp="1"/>
+          </p:cNvSpPr>
+          <p:nvPr>
+            <p:ph type="title"/>
+          </p:nvPr>
+        </p:nvSpPr>
+        <p:spPr/>
+        <p:txBody>
+          <a:bodyPr/>
+          <a:lstStyle/>
+          <a:p>
+            <a:r>
+              <a:rPr lang="en-US" dirty="0"/>
+              <a:t>Subatomic Structure</a:t>
+            </a:r>
+          </a:p>
+        </p:txBody>
+      </p:sp>
+      <p:sp>
+        <p:nvSpPr>
+          <p:cNvPr id="3" name="Content Placeholder 2">
+            <a:extLst>
+              <a:ext uri="{FF2B5EF4-FFF2-40B4-BE49-F238E27FC236}">
+                <a16:creationId xmlns:a16="http://schemas.microsoft.com/office/drawing/2014/main" id="{CDF16042-2EEC-145F-B636-8EBB073EE9AA}"/>
+              </a:ext>
+            </a:extLst>
+          </p:cNvPr>
+          <p:cNvSpPr>
+            <a:spLocks noGrp="1"/>
+          </p:cNvSpPr>
+          <p:nvPr>
+            <p:ph idx="1"/>
+          </p:nvPr>
+        </p:nvSpPr>
+        <p:spPr/>
+        <p:txBody>
+          <a:bodyPr/>
+          <a:lstStyle/>
+          <a:p>
+            <a:r>
+              <a:rPr lang="en-US" dirty="0"/>
+              <a:t>Protons, electrons, neutrons</a:t>
+            </a:r>
+          </a:p>
+        </p:txBody>
+      </p:sp>
+    </p:spTree>
+    <p:extLst>
+      <p:ext uri="{BB962C8B-B14F-4D97-AF65-F5344CB8AC3E}">
+        <p14:creationId xmlns:p14="http://schemas.microsoft.com/office/powerpoint/2010/main" val="3665259755"/>
+      </p:ext>
+    </p:extLst>
+  </p:cSld>
+  <p:clrMapOvr>
+    <a:masterClrMapping/>
+  </p:clrMapOvr>
+</p:sld>
+</file>
+
+<file path=ppt/slides/slide6.xml><?xml version="1.0" encoding="utf-8"?>
+<p:sld xmlns:a="http://schemas.openxmlformats.org/drawingml/2006/main" xmlns:r="http://schemas.openxmlformats.org/officeDocument/2006/relationships" xmlns:p="http://schemas.openxmlformats.org/presentationml/2006/main">
+  <p:cSld>
+    <p:spTree>
+      <p:nvGrpSpPr>
+        <p:cNvPr id="1" name=""/>
+        <p:cNvGrpSpPr/>
+        <p:nvPr/>
+      </p:nvGrpSpPr>
+      <p:grpSpPr>
+        <a:xfrm>
+          <a:off x="0" y="0"/>
+          <a:ext cx="0" cy="0"/>
+          <a:chOff x="0" y="0"/>
+          <a:chExt cx="0" cy="0"/>
+        </a:xfrm>
+      </p:grpSpPr>
+      <p:sp>
+        <p:nvSpPr>
+          <p:cNvPr id="2" name="Title 1">
+            <a:extLst>
+              <a:ext uri="{FF2B5EF4-FFF2-40B4-BE49-F238E27FC236}">
+                <a16:creationId xmlns:a16="http://schemas.microsoft.com/office/drawing/2014/main" id="{A8E44C2E-D02F-F4E9-0B8F-E104799ACA37}"/>
+              </a:ext>
+            </a:extLst>
+          </p:cNvPr>
+          <p:cNvSpPr>
+            <a:spLocks noGrp="1"/>
+          </p:cNvSpPr>
+          <p:nvPr>
+            <p:ph type="title"/>
+          </p:nvPr>
+        </p:nvSpPr>
+        <p:spPr/>
+        <p:txBody>
+          <a:bodyPr/>
+          <a:lstStyle/>
+          <a:p>
+            <a:r>
+              <a:rPr lang="en-US" dirty="0"/>
+              <a:t>Atomic Properties</a:t>
+            </a:r>
+          </a:p>
+        </p:txBody>
+      </p:sp>
+      <p:sp>
+        <p:nvSpPr>
+          <p:cNvPr id="3" name="Content Placeholder 2">
+            <a:extLst>
+              <a:ext uri="{FF2B5EF4-FFF2-40B4-BE49-F238E27FC236}">
+                <a16:creationId xmlns:a16="http://schemas.microsoft.com/office/drawing/2014/main" id="{E5306C1D-D1FD-9FEA-3401-CFCB7F65125E}"/>
+              </a:ext>
+            </a:extLst>
+          </p:cNvPr>
+          <p:cNvSpPr>
+            <a:spLocks noGrp="1"/>
+          </p:cNvSpPr>
+          <p:nvPr>
+            <p:ph idx="1"/>
+          </p:nvPr>
+        </p:nvSpPr>
+        <p:spPr/>
+        <p:txBody>
+          <a:bodyPr/>
+          <a:lstStyle/>
+          <a:p>
+            <a:endParaRPr lang="en-US" dirty="0"/>
+          </a:p>
+        </p:txBody>
+      </p:sp>
+    </p:spTree>
+    <p:extLst>
+      <p:ext uri="{BB962C8B-B14F-4D97-AF65-F5344CB8AC3E}">
+        <p14:creationId xmlns:p14="http://schemas.microsoft.com/office/powerpoint/2010/main" val="2354391906"/>
+      </p:ext>
+    </p:extLst>
+  </p:cSld>
+  <p:clrMapOvr>
+    <a:masterClrMapping/>
+  </p:clrMapOvr>
+</p:sld>
+</file>
+
+<file path=ppt/slides/slide7.xml><?xml version="1.0" encoding="utf-8"?>
+<p:sld xmlns:a="http://schemas.openxmlformats.org/drawingml/2006/main" xmlns:r="http://schemas.openxmlformats.org/officeDocument/2006/relationships" xmlns:p="http://schemas.openxmlformats.org/presentationml/2006/main">
+  <p:cSld>
+    <p:spTree>
+      <p:nvGrpSpPr>
         <p:cNvPr id="1" name="">
           <a:extLst>
             <a:ext uri="{FF2B5EF4-FFF2-40B4-BE49-F238E27FC236}">
-              <a16:creationId xmlns:a16="http://schemas.microsoft.com/office/drawing/2014/main" id="{19383EFE-5E3F-3659-29E8-5AD12E5EF45E}"/>
+              <a16:creationId xmlns:a16="http://schemas.microsoft.com/office/drawing/2014/main" id="{981732A3-A72F-ABA2-3D28-A6FEE716A734}"/>
             </a:ext>
           </a:extLst>
         </p:cNvPr>
@@ -13872,10 +15371,10 @@
       </p:grpSpPr>
       <p:sp>
         <p:nvSpPr>
-          <p:cNvPr id="4" name="Title 3">
+          <p:cNvPr id="2" name="Title 1">
             <a:extLst>
               <a:ext uri="{FF2B5EF4-FFF2-40B4-BE49-F238E27FC236}">
-                <a16:creationId xmlns:a16="http://schemas.microsoft.com/office/drawing/2014/main" id="{3E4F609D-9A6A-8E7F-0F82-F0D2876F0854}"/>
+                <a16:creationId xmlns:a16="http://schemas.microsoft.com/office/drawing/2014/main" id="{30741DF3-FABD-BA52-7666-129D7CA818B7}"/>
               </a:ext>
             </a:extLst>
           </p:cNvPr>
@@ -13888,8 +15387,8 @@
         </p:nvSpPr>
         <p:spPr>
           <a:xfrm>
-            <a:off x="364067" y="-1703"/>
-            <a:ext cx="8421512" cy="1323439"/>
+            <a:off x="349955" y="425344"/>
+            <a:ext cx="8421512" cy="707886"/>
           </a:xfrm>
         </p:spPr>
         <p:txBody>
@@ -13898,17 +15397,17 @@
           <a:p>
             <a:r>
               <a:rPr lang="en-US" sz="4000" dirty="0"/>
-              <a:t>Recommendations for Successful Performance in Chem 3A</a:t>
+              <a:t>Patterns of Matter: Periodic Table</a:t>
             </a:r>
           </a:p>
         </p:txBody>
       </p:sp>
       <p:sp>
         <p:nvSpPr>
-          <p:cNvPr id="5" name="Content Placeholder 4">
+          <p:cNvPr id="3" name="Content Placeholder 2">
             <a:extLst>
               <a:ext uri="{FF2B5EF4-FFF2-40B4-BE49-F238E27FC236}">
-                <a16:creationId xmlns:a16="http://schemas.microsoft.com/office/drawing/2014/main" id="{DDACA032-15D9-16F2-DC98-CEFC36E0241A}"/>
+                <a16:creationId xmlns:a16="http://schemas.microsoft.com/office/drawing/2014/main" id="{FAB46681-796D-31F4-1900-C9F15D135035}"/>
               </a:ext>
             </a:extLst>
           </p:cNvPr>
@@ -13924,34 +15423,6 @@
           <a:bodyPr/>
           <a:lstStyle/>
           <a:p>
-            <a:pPr marL="0" indent="0">
-              <a:buNone/>
-            </a:pPr>
-            <a:r>
-              <a:rPr lang="en-US" i="1" dirty="0"/>
-              <a:t>Online Systems/Tools</a:t>
-            </a:r>
-          </a:p>
-          <a:p>
-            <a:pPr lvl="1"/>
-            <a:r>
-              <a:rPr lang="en-US" dirty="0"/>
-              <a:t>Canvas</a:t>
-            </a:r>
-          </a:p>
-          <a:p>
-            <a:pPr lvl="1"/>
-            <a:r>
-              <a:rPr lang="en-US" dirty="0"/>
-              <a:t>Email: </a:t>
-            </a:r>
-          </a:p>
-          <a:p>
-            <a:pPr lvl="1"/>
-            <a:endParaRPr lang="en-US" dirty="0"/>
-          </a:p>
-          <a:p>
-            <a:pPr lvl="1"/>
             <a:endParaRPr lang="en-US" dirty="0"/>
           </a:p>
         </p:txBody>
@@ -13959,7 +15430,7 @@
     </p:spTree>
     <p:extLst>
       <p:ext uri="{BB962C8B-B14F-4D97-AF65-F5344CB8AC3E}">
-        <p14:creationId xmlns:p14="http://schemas.microsoft.com/office/powerpoint/2010/main" val="132588142"/>
+        <p14:creationId xmlns:p14="http://schemas.microsoft.com/office/powerpoint/2010/main" val="2000822754"/>
       </p:ext>
     </p:extLst>
   </p:cSld>
@@ -13969,7 +15440,95 @@
 </p:sld>
 </file>
 
-<file path=ppt/slides/slide4.xml><?xml version="1.0" encoding="utf-8"?>
+<file path=ppt/slides/slide8.xml><?xml version="1.0" encoding="utf-8"?>
+<p:sld xmlns:a="http://schemas.openxmlformats.org/drawingml/2006/main" xmlns:r="http://schemas.openxmlformats.org/officeDocument/2006/relationships" xmlns:p="http://schemas.openxmlformats.org/presentationml/2006/main">
+  <p:cSld>
+    <p:spTree>
+      <p:nvGrpSpPr>
+        <p:cNvPr id="1" name=""/>
+        <p:cNvGrpSpPr/>
+        <p:nvPr/>
+      </p:nvGrpSpPr>
+      <p:grpSpPr>
+        <a:xfrm>
+          <a:off x="0" y="0"/>
+          <a:ext cx="0" cy="0"/>
+          <a:chOff x="0" y="0"/>
+          <a:chExt cx="0" cy="0"/>
+        </a:xfrm>
+      </p:grpSpPr>
+      <p:sp>
+        <p:nvSpPr>
+          <p:cNvPr id="2" name="Title 1">
+            <a:extLst>
+              <a:ext uri="{FF2B5EF4-FFF2-40B4-BE49-F238E27FC236}">
+                <a16:creationId xmlns:a16="http://schemas.microsoft.com/office/drawing/2014/main" id="{68C6114C-4608-366E-1C2A-13ECB09438B1}"/>
+              </a:ext>
+            </a:extLst>
+          </p:cNvPr>
+          <p:cNvSpPr>
+            <a:spLocks noGrp="1"/>
+          </p:cNvSpPr>
+          <p:nvPr>
+            <p:ph type="title"/>
+          </p:nvPr>
+        </p:nvSpPr>
+        <p:spPr>
+          <a:xfrm>
+            <a:off x="349955" y="240375"/>
+            <a:ext cx="8421512" cy="769441"/>
+          </a:xfrm>
+        </p:spPr>
+        <p:txBody>
+          <a:bodyPr/>
+          <a:lstStyle/>
+          <a:p>
+            <a:r>
+              <a:rPr lang="en-US" sz="4400" dirty="0"/>
+              <a:t>Electric properties of atoms: ions</a:t>
+            </a:r>
+          </a:p>
+        </p:txBody>
+      </p:sp>
+      <p:sp>
+        <p:nvSpPr>
+          <p:cNvPr id="3" name="Content Placeholder 2">
+            <a:extLst>
+              <a:ext uri="{FF2B5EF4-FFF2-40B4-BE49-F238E27FC236}">
+                <a16:creationId xmlns:a16="http://schemas.microsoft.com/office/drawing/2014/main" id="{743A57D0-8459-AC89-3202-991055C254D6}"/>
+              </a:ext>
+            </a:extLst>
+          </p:cNvPr>
+          <p:cNvSpPr>
+            <a:spLocks noGrp="1"/>
+          </p:cNvSpPr>
+          <p:nvPr>
+            <p:ph idx="1"/>
+          </p:nvPr>
+        </p:nvSpPr>
+        <p:spPr/>
+        <p:txBody>
+          <a:bodyPr/>
+          <a:lstStyle/>
+          <a:p>
+            <a:endParaRPr lang="en-US" dirty="0"/>
+          </a:p>
+        </p:txBody>
+      </p:sp>
+    </p:spTree>
+    <p:extLst>
+      <p:ext uri="{BB962C8B-B14F-4D97-AF65-F5344CB8AC3E}">
+        <p14:creationId xmlns:p14="http://schemas.microsoft.com/office/powerpoint/2010/main" val="4263138283"/>
+      </p:ext>
+    </p:extLst>
+  </p:cSld>
+  <p:clrMapOvr>
+    <a:masterClrMapping/>
+  </p:clrMapOvr>
+</p:sld>
+</file>
+
+<file path=ppt/slides/slide9.xml><?xml version="1.0" encoding="utf-8"?>
 <p:sld xmlns:a="http://schemas.openxmlformats.org/drawingml/2006/main" xmlns:r="http://schemas.openxmlformats.org/officeDocument/2006/relationships" xmlns:p="http://schemas.openxmlformats.org/presentationml/2006/main">
   <p:cSld>
     <p:spTree>
@@ -14151,1165 +15710,6 @@
     <p:extLst>
       <p:ext uri="{BB962C8B-B14F-4D97-AF65-F5344CB8AC3E}">
         <p14:creationId xmlns:p14="http://schemas.microsoft.com/office/powerpoint/2010/main" val="84298618"/>
-      </p:ext>
-    </p:extLst>
-  </p:cSld>
-  <p:clrMapOvr>
-    <a:masterClrMapping/>
-  </p:clrMapOvr>
-</p:sld>
-</file>
-
-<file path=ppt/slides/slide5.xml><?xml version="1.0" encoding="utf-8"?>
-<p:sld xmlns:a="http://schemas.openxmlformats.org/drawingml/2006/main" xmlns:r="http://schemas.openxmlformats.org/officeDocument/2006/relationships" xmlns:p="http://schemas.openxmlformats.org/presentationml/2006/main">
-  <p:cSld>
-    <p:spTree>
-      <p:nvGrpSpPr>
-        <p:cNvPr id="1" name=""/>
-        <p:cNvGrpSpPr/>
-        <p:nvPr/>
-      </p:nvGrpSpPr>
-      <p:grpSpPr>
-        <a:xfrm>
-          <a:off x="0" y="0"/>
-          <a:ext cx="0" cy="0"/>
-          <a:chOff x="0" y="0"/>
-          <a:chExt cx="0" cy="0"/>
-        </a:xfrm>
-      </p:grpSpPr>
-      <p:sp>
-        <p:nvSpPr>
-          <p:cNvPr id="2" name="Title 1"/>
-          <p:cNvSpPr>
-            <a:spLocks noGrp="1"/>
-          </p:cNvSpPr>
-          <p:nvPr>
-            <p:ph type="title"/>
-          </p:nvPr>
-        </p:nvSpPr>
-        <p:spPr/>
-        <p:txBody>
-          <a:bodyPr/>
-          <a:lstStyle/>
-          <a:p>
-            <a:r>
-              <a:rPr lang="en-US" dirty="0"/>
-              <a:t>Nucleus &amp; Orbitals</a:t>
-            </a:r>
-          </a:p>
-        </p:txBody>
-      </p:sp>
-      <p:sp>
-        <p:nvSpPr>
-          <p:cNvPr id="3" name="Content Placeholder 2"/>
-          <p:cNvSpPr>
-            <a:spLocks noGrp="1"/>
-          </p:cNvSpPr>
-          <p:nvPr>
-            <p:ph idx="1"/>
-          </p:nvPr>
-        </p:nvSpPr>
-        <p:spPr/>
-        <p:txBody>
-          <a:bodyPr/>
-          <a:lstStyle/>
-          <a:p>
-            <a:r>
-              <a:rPr lang="en-US" dirty="0"/>
-              <a:t>Protons and neutrons organized in the nucleus</a:t>
-            </a:r>
-          </a:p>
-          <a:p>
-            <a:r>
-              <a:rPr lang="en-US" dirty="0"/>
-              <a:t>Electrons spatially located outside of the nucleus</a:t>
-            </a:r>
-          </a:p>
-          <a:p>
-            <a:r>
-              <a:rPr lang="en-US" dirty="0"/>
-              <a:t>Electrons "orbit" the nucleus in </a:t>
-            </a:r>
-            <a:r>
-              <a:rPr lang="en-US" dirty="0">
-                <a:solidFill>
-                  <a:srgbClr val="00FF00"/>
-                </a:solidFill>
-              </a:rPr>
-              <a:t>orbitals</a:t>
-            </a:r>
-            <a:r>
-              <a:rPr lang="en-US" dirty="0"/>
-              <a:t> but not like planets revolving around the sun</a:t>
-            </a:r>
-          </a:p>
-          <a:p>
-            <a:r>
-              <a:rPr lang="en-US" dirty="0">
-                <a:solidFill>
-                  <a:srgbClr val="FF99FF"/>
-                </a:solidFill>
-              </a:rPr>
-              <a:t>Their position/location is determined by probabilities calculated by</a:t>
-            </a:r>
-            <a:br>
-              <a:rPr lang="en-US" dirty="0">
-                <a:solidFill>
-                  <a:srgbClr val="FF99FF"/>
-                </a:solidFill>
-              </a:rPr>
-            </a:br>
-            <a:r>
-              <a:rPr lang="en-US" dirty="0">
-                <a:solidFill>
-                  <a:srgbClr val="FF99FF"/>
-                </a:solidFill>
-              </a:rPr>
-              <a:t>complex mathematical expressions</a:t>
-            </a:r>
-          </a:p>
-          <a:p>
-            <a:r>
-              <a:rPr lang="en-US" dirty="0"/>
-              <a:t>Each orbital pairs two electrons</a:t>
-            </a:r>
-            <a:br>
-              <a:rPr lang="en-US" dirty="0"/>
-            </a:br>
-            <a:r>
-              <a:rPr lang="en-US" dirty="0">
-                <a:solidFill>
-                  <a:srgbClr val="FF99FF"/>
-                </a:solidFill>
-              </a:rPr>
-              <a:t>of opposite spin</a:t>
-            </a:r>
-          </a:p>
-          <a:p>
-            <a:pPr marL="292100" lvl="1" indent="0">
-              <a:buNone/>
-            </a:pPr>
-            <a:r>
-              <a:rPr lang="en-US" dirty="0">
-                <a:solidFill>
-                  <a:srgbClr val="FF99FF"/>
-                </a:solidFill>
-              </a:rPr>
-              <a:t>Yes, electrons have a spin just</a:t>
-            </a:r>
-            <a:br>
-              <a:rPr lang="en-US" dirty="0">
-                <a:solidFill>
-                  <a:srgbClr val="FF99FF"/>
-                </a:solidFill>
-              </a:rPr>
-            </a:br>
-            <a:r>
-              <a:rPr lang="en-US" dirty="0">
-                <a:solidFill>
-                  <a:srgbClr val="FF99FF"/>
-                </a:solidFill>
-              </a:rPr>
-              <a:t>as the Earth rotates on an axis,</a:t>
-            </a:r>
-            <a:br>
-              <a:rPr lang="en-US" dirty="0">
-                <a:solidFill>
-                  <a:srgbClr val="FF99FF"/>
-                </a:solidFill>
-              </a:rPr>
-            </a:br>
-            <a:r>
-              <a:rPr lang="en-US" dirty="0">
-                <a:solidFill>
-                  <a:srgbClr val="FF99FF"/>
-                </a:solidFill>
-              </a:rPr>
-              <a:t>and this spin generates a </a:t>
-            </a:r>
-            <a:br>
-              <a:rPr lang="en-US" dirty="0">
-                <a:solidFill>
-                  <a:srgbClr val="FF99FF"/>
-                </a:solidFill>
-              </a:rPr>
-            </a:br>
-            <a:r>
-              <a:rPr lang="en-US" dirty="0">
-                <a:solidFill>
-                  <a:srgbClr val="FF99FF"/>
-                </a:solidFill>
-              </a:rPr>
-              <a:t>magnetic field</a:t>
-            </a:r>
-          </a:p>
-        </p:txBody>
-      </p:sp>
-      <p:pic>
-        <p:nvPicPr>
-          <p:cNvPr id="18434" name="Picture 2" descr="http://i.livescience.com/images/i/000/053/538/i02/atom-structure.jpg?1370472365"/>
-          <p:cNvPicPr>
-            <a:picLocks noChangeAspect="1" noChangeArrowheads="1"/>
-          </p:cNvPicPr>
-          <p:nvPr/>
-        </p:nvPicPr>
-        <p:blipFill>
-          <a:blip r:embed="rId2">
-            <a:extLst>
-              <a:ext uri="{28A0092B-C50C-407E-A947-70E740481C1C}">
-                <a14:useLocalDpi xmlns:a14="http://schemas.microsoft.com/office/drawing/2010/main" val="0"/>
-              </a:ext>
-            </a:extLst>
-          </a:blip>
-          <a:srcRect/>
-          <a:stretch>
-            <a:fillRect/>
-          </a:stretch>
-        </p:blipFill>
-        <p:spPr bwMode="auto">
-          <a:xfrm>
-            <a:off x="6268073" y="3958032"/>
-            <a:ext cx="2709849" cy="2432539"/>
-          </a:xfrm>
-          <a:prstGeom prst="rect">
-            <a:avLst/>
-          </a:prstGeom>
-          <a:noFill/>
-          <a:extLst>
-            <a:ext uri="{909E8E84-426E-40DD-AFC4-6F175D3DCCD1}">
-              <a14:hiddenFill xmlns:a14="http://schemas.microsoft.com/office/drawing/2010/main">
-                <a:solidFill>
-                  <a:srgbClr val="FFFFFF"/>
-                </a:solidFill>
-              </a14:hiddenFill>
-            </a:ext>
-          </a:extLst>
-        </p:spPr>
-      </p:pic>
-    </p:spTree>
-    <p:extLst>
-      <p:ext uri="{BB962C8B-B14F-4D97-AF65-F5344CB8AC3E}">
-        <p14:creationId xmlns:p14="http://schemas.microsoft.com/office/powerpoint/2010/main" val="2772955647"/>
-      </p:ext>
-    </p:extLst>
-  </p:cSld>
-  <p:clrMapOvr>
-    <a:masterClrMapping/>
-  </p:clrMapOvr>
-</p:sld>
-</file>
-
-<file path=ppt/slides/slide6.xml><?xml version="1.0" encoding="utf-8"?>
-<p:sld xmlns:a="http://schemas.openxmlformats.org/drawingml/2006/main" xmlns:r="http://schemas.openxmlformats.org/officeDocument/2006/relationships" xmlns:p="http://schemas.openxmlformats.org/presentationml/2006/main">
-  <p:cSld>
-    <p:spTree>
-      <p:nvGrpSpPr>
-        <p:cNvPr id="1" name=""/>
-        <p:cNvGrpSpPr/>
-        <p:nvPr/>
-      </p:nvGrpSpPr>
-      <p:grpSpPr>
-        <a:xfrm>
-          <a:off x="0" y="0"/>
-          <a:ext cx="0" cy="0"/>
-          <a:chOff x="0" y="0"/>
-          <a:chExt cx="0" cy="0"/>
-        </a:xfrm>
-      </p:grpSpPr>
-      <p:sp>
-        <p:nvSpPr>
-          <p:cNvPr id="2" name="Title 1"/>
-          <p:cNvSpPr>
-            <a:spLocks noGrp="1"/>
-          </p:cNvSpPr>
-          <p:nvPr>
-            <p:ph type="title"/>
-          </p:nvPr>
-        </p:nvSpPr>
-        <p:spPr/>
-        <p:txBody>
-          <a:bodyPr/>
-          <a:lstStyle/>
-          <a:p>
-            <a:r>
-              <a:rPr lang="en-US" dirty="0"/>
-              <a:t>Atomic Weight </a:t>
-            </a:r>
-          </a:p>
-        </p:txBody>
-      </p:sp>
-      <p:sp>
-        <p:nvSpPr>
-          <p:cNvPr id="3" name="Content Placeholder 2"/>
-          <p:cNvSpPr>
-            <a:spLocks noGrp="1"/>
-          </p:cNvSpPr>
-          <p:nvPr>
-            <p:ph idx="1"/>
-          </p:nvPr>
-        </p:nvSpPr>
-        <p:spPr/>
-        <p:txBody>
-          <a:bodyPr/>
-          <a:lstStyle/>
-          <a:p>
-            <a:pPr marL="0" indent="0">
-              <a:buNone/>
-            </a:pPr>
-            <a:r>
-              <a:rPr lang="en-US" sz="3200" i="1" dirty="0">
-                <a:latin typeface="Times New Roman" panose="02020603050405020304" pitchFamily="18" charset="0"/>
-                <a:cs typeface="Times New Roman" panose="02020603050405020304" pitchFamily="18" charset="0"/>
-              </a:rPr>
-              <a:t>Why does hydrogen (H) have an </a:t>
-            </a:r>
-            <a:r>
-              <a:rPr lang="en-US" sz="3200" i="1" dirty="0">
-                <a:solidFill>
-                  <a:srgbClr val="00FF00"/>
-                </a:solidFill>
-                <a:latin typeface="Times New Roman" panose="02020603050405020304" pitchFamily="18" charset="0"/>
-                <a:cs typeface="Times New Roman" panose="02020603050405020304" pitchFamily="18" charset="0"/>
-              </a:rPr>
-              <a:t>atomic weight </a:t>
-            </a:r>
-            <a:r>
-              <a:rPr lang="en-US" sz="3200" i="1" dirty="0">
-                <a:latin typeface="Times New Roman" panose="02020603050405020304" pitchFamily="18" charset="0"/>
-                <a:cs typeface="Times New Roman" panose="02020603050405020304" pitchFamily="18" charset="0"/>
-              </a:rPr>
-              <a:t>of 1.0079</a:t>
-            </a:r>
-            <a:r>
-              <a:rPr lang="en-US" sz="3200" dirty="0">
-                <a:latin typeface="Times New Roman" panose="02020603050405020304" pitchFamily="18" charset="0"/>
-                <a:cs typeface="Times New Roman" panose="02020603050405020304" pitchFamily="18" charset="0"/>
-              </a:rPr>
-              <a:t>?</a:t>
-            </a:r>
-            <a:br>
-              <a:rPr lang="en-US" sz="3200" i="1" dirty="0">
-                <a:latin typeface="Times New Roman" panose="02020603050405020304" pitchFamily="18" charset="0"/>
-                <a:cs typeface="Times New Roman" panose="02020603050405020304" pitchFamily="18" charset="0"/>
-              </a:rPr>
-            </a:br>
-            <a:endParaRPr lang="en-US" sz="3200" i="1" dirty="0">
-              <a:latin typeface="Times New Roman" panose="02020603050405020304" pitchFamily="18" charset="0"/>
-              <a:cs typeface="Times New Roman" panose="02020603050405020304" pitchFamily="18" charset="0"/>
-            </a:endParaRPr>
-          </a:p>
-          <a:p>
-            <a:pPr marL="0" indent="0">
-              <a:buNone/>
-            </a:pPr>
-            <a:r>
-              <a:rPr lang="en-US" sz="3200" i="1" dirty="0">
-                <a:latin typeface="Times New Roman" panose="02020603050405020304" pitchFamily="18" charset="0"/>
-                <a:cs typeface="Times New Roman" panose="02020603050405020304" pitchFamily="18" charset="0"/>
-              </a:rPr>
-              <a:t>How is it calculated</a:t>
-            </a:r>
-            <a:r>
-              <a:rPr lang="en-US" sz="3200" dirty="0">
-                <a:latin typeface="Times New Roman" panose="02020603050405020304" pitchFamily="18" charset="0"/>
-                <a:cs typeface="Times New Roman" panose="02020603050405020304" pitchFamily="18" charset="0"/>
-              </a:rPr>
-              <a:t>?</a:t>
-            </a:r>
-          </a:p>
-        </p:txBody>
-      </p:sp>
-      <p:pic>
-        <p:nvPicPr>
-          <p:cNvPr id="1026" name="Picture 2"/>
-          <p:cNvPicPr>
-            <a:picLocks noChangeAspect="1" noChangeArrowheads="1"/>
-          </p:cNvPicPr>
-          <p:nvPr/>
-        </p:nvPicPr>
-        <p:blipFill>
-          <a:blip r:embed="rId2">
-            <a:extLst>
-              <a:ext uri="{28A0092B-C50C-407E-A947-70E740481C1C}">
-                <a14:useLocalDpi xmlns:a14="http://schemas.microsoft.com/office/drawing/2010/main" val="0"/>
-              </a:ext>
-            </a:extLst>
-          </a:blip>
-          <a:srcRect/>
-          <a:stretch>
-            <a:fillRect/>
-          </a:stretch>
-        </p:blipFill>
-        <p:spPr bwMode="auto">
-          <a:xfrm>
-            <a:off x="3810001" y="3752748"/>
-            <a:ext cx="1843514" cy="2071109"/>
-          </a:xfrm>
-          <a:prstGeom prst="rect">
-            <a:avLst/>
-          </a:prstGeom>
-          <a:noFill/>
-          <a:ln>
-            <a:noFill/>
-          </a:ln>
-          <a:extLst>
-            <a:ext uri="{909E8E84-426E-40DD-AFC4-6F175D3DCCD1}">
-              <a14:hiddenFill xmlns:a14="http://schemas.microsoft.com/office/drawing/2010/main">
-                <a:solidFill>
-                  <a:schemeClr val="accent1"/>
-                </a:solidFill>
-              </a14:hiddenFill>
-            </a:ext>
-            <a:ext uri="{91240B29-F687-4F45-9708-019B960494DF}">
-              <a14:hiddenLine xmlns:a14="http://schemas.microsoft.com/office/drawing/2010/main" w="9525">
-                <a:solidFill>
-                  <a:schemeClr val="tx1"/>
-                </a:solidFill>
-                <a:miter lim="800000"/>
-                <a:headEnd/>
-                <a:tailEnd/>
-              </a14:hiddenLine>
-            </a:ext>
-          </a:extLst>
-        </p:spPr>
-      </p:pic>
-    </p:spTree>
-    <p:extLst>
-      <p:ext uri="{BB962C8B-B14F-4D97-AF65-F5344CB8AC3E}">
-        <p14:creationId xmlns:p14="http://schemas.microsoft.com/office/powerpoint/2010/main" val="3245603847"/>
-      </p:ext>
-    </p:extLst>
-  </p:cSld>
-  <p:clrMapOvr>
-    <a:masterClrMapping/>
-  </p:clrMapOvr>
-</p:sld>
-</file>
-
-<file path=ppt/slides/slide7.xml><?xml version="1.0" encoding="utf-8"?>
-<p:sld xmlns:a="http://schemas.openxmlformats.org/drawingml/2006/main" xmlns:r="http://schemas.openxmlformats.org/officeDocument/2006/relationships" xmlns:p="http://schemas.openxmlformats.org/presentationml/2006/main">
-  <p:cSld>
-    <p:spTree>
-      <p:nvGrpSpPr>
-        <p:cNvPr id="1" name=""/>
-        <p:cNvGrpSpPr/>
-        <p:nvPr/>
-      </p:nvGrpSpPr>
-      <p:grpSpPr>
-        <a:xfrm>
-          <a:off x="0" y="0"/>
-          <a:ext cx="0" cy="0"/>
-          <a:chOff x="0" y="0"/>
-          <a:chExt cx="0" cy="0"/>
-        </a:xfrm>
-      </p:grpSpPr>
-      <p:sp>
-        <p:nvSpPr>
-          <p:cNvPr id="4" name="Content Placeholder 3"/>
-          <p:cNvSpPr>
-            <a:spLocks noGrp="1"/>
-          </p:cNvSpPr>
-          <p:nvPr>
-            <p:ph idx="1"/>
-          </p:nvPr>
-        </p:nvSpPr>
-        <p:spPr/>
-        <p:txBody>
-          <a:bodyPr/>
-          <a:lstStyle/>
-          <a:p>
-            <a:r>
-              <a:rPr lang="en-US" dirty="0"/>
-              <a:t>Atoms are made of three subatomic particles</a:t>
-            </a:r>
-          </a:p>
-          <a:p>
-            <a:pPr marL="533400" lvl="1" indent="-296863">
-              <a:buFont typeface="+mj-lt"/>
-              <a:buAutoNum type="arabicPeriod"/>
-            </a:pPr>
-            <a:r>
-              <a:rPr lang="en-US" dirty="0"/>
-              <a:t> </a:t>
-            </a:r>
-            <a:r>
-              <a:rPr lang="en-US" dirty="0">
-                <a:solidFill>
-                  <a:srgbClr val="00FF00"/>
-                </a:solidFill>
-              </a:rPr>
-              <a:t>Protons</a:t>
-            </a:r>
-          </a:p>
-          <a:p>
-            <a:pPr marL="519112" lvl="2" indent="0">
-              <a:buNone/>
-            </a:pPr>
-            <a:r>
-              <a:rPr lang="en-US" dirty="0"/>
-              <a:t>which actually give the element its identity</a:t>
-            </a:r>
-          </a:p>
-          <a:p>
-            <a:pPr marL="533400" lvl="1" indent="-296863">
-              <a:buFont typeface="+mj-lt"/>
-              <a:buAutoNum type="arabicPeriod"/>
-            </a:pPr>
-            <a:r>
-              <a:rPr lang="en-US" dirty="0"/>
-              <a:t> </a:t>
-            </a:r>
-            <a:r>
-              <a:rPr lang="en-US" dirty="0">
-                <a:solidFill>
-                  <a:srgbClr val="00FF00"/>
-                </a:solidFill>
-              </a:rPr>
-              <a:t>Electrons</a:t>
-            </a:r>
-          </a:p>
-          <a:p>
-            <a:pPr marL="519112" lvl="2" indent="0">
-              <a:buNone/>
-            </a:pPr>
-            <a:r>
-              <a:rPr lang="en-US" dirty="0"/>
-              <a:t>chemistry is really about electrons, because it is electrons that allow atoms to bond to each other</a:t>
-            </a:r>
-          </a:p>
-          <a:p>
-            <a:pPr marL="533400" lvl="1" indent="-296863">
-              <a:buFont typeface="+mj-lt"/>
-              <a:buAutoNum type="arabicPeriod"/>
-            </a:pPr>
-            <a:r>
-              <a:rPr lang="en-US" dirty="0"/>
-              <a:t> </a:t>
-            </a:r>
-            <a:r>
-              <a:rPr lang="en-US" dirty="0">
-                <a:solidFill>
-                  <a:srgbClr val="00FF00"/>
-                </a:solidFill>
-              </a:rPr>
-              <a:t>Neutrons</a:t>
-            </a:r>
-          </a:p>
-          <a:p>
-            <a:pPr marL="519112" lvl="2" indent="0">
-              <a:buNone/>
-            </a:pPr>
-            <a:r>
-              <a:rPr lang="en-US" dirty="0"/>
-              <a:t>it takes about 1800 electrons to equal mass of a proton, and the neutron is slightly bigger than the proton by 0.15%.</a:t>
-            </a:r>
-          </a:p>
-          <a:p>
-            <a:pPr marL="0" indent="-1">
-              <a:buNone/>
-            </a:pPr>
-            <a:r>
-              <a:rPr lang="en-US" sz="2000" dirty="0"/>
-              <a:t>In fact, a neutron may be the combination of the mass of both 1 proton and 1 electron plus the Einstein energy (</a:t>
-            </a:r>
-            <a:r>
-              <a:rPr lang="en-US" sz="2000" i="1" dirty="0"/>
-              <a:t>E</a:t>
-            </a:r>
-            <a:r>
-              <a:rPr lang="en-US" sz="2000" dirty="0"/>
-              <a:t> = </a:t>
-            </a:r>
-            <a:r>
-              <a:rPr lang="en-US" sz="2000" i="1" dirty="0"/>
-              <a:t>mc</a:t>
-            </a:r>
-            <a:r>
-              <a:rPr lang="en-US" sz="2000" baseline="30000" dirty="0"/>
-              <a:t>2</a:t>
-            </a:r>
-            <a:r>
-              <a:rPr lang="en-US" sz="2000" dirty="0"/>
-              <a:t>) necessary to slam them together.</a:t>
-            </a:r>
-          </a:p>
-          <a:p>
-            <a:pPr marL="0" indent="-1">
-              <a:buNone/>
-            </a:pPr>
-            <a:endParaRPr lang="en-US" sz="1800" dirty="0"/>
-          </a:p>
-          <a:p>
-            <a:pPr marL="0" indent="-1">
-              <a:buNone/>
-            </a:pPr>
-            <a:r>
-              <a:rPr lang="en-US" sz="1800" dirty="0"/>
-              <a:t>Neutrons can undergo radioactive decay into a particle that is +1 (proton or anti-proton) and –1 (electron) particles</a:t>
-            </a:r>
-          </a:p>
-          <a:p>
-            <a:pPr marL="815975" lvl="2" indent="-296863">
-              <a:buFont typeface="+mj-lt"/>
-              <a:buAutoNum type="arabicPeriod"/>
-            </a:pPr>
-            <a:endParaRPr lang="en-US" dirty="0">
-              <a:solidFill>
-                <a:srgbClr val="00FF00"/>
-              </a:solidFill>
-            </a:endParaRPr>
-          </a:p>
-        </p:txBody>
-      </p:sp>
-      <p:sp>
-        <p:nvSpPr>
-          <p:cNvPr id="2" name="Title 1"/>
-          <p:cNvSpPr>
-            <a:spLocks noGrp="1"/>
-          </p:cNvSpPr>
-          <p:nvPr>
-            <p:ph type="title"/>
-          </p:nvPr>
-        </p:nvSpPr>
-        <p:spPr/>
-        <p:txBody>
-          <a:bodyPr/>
-          <a:lstStyle/>
-          <a:p>
-            <a:r>
-              <a:rPr lang="en-US" dirty="0"/>
-              <a:t>Atomic Weight Explained</a:t>
-            </a:r>
-          </a:p>
-        </p:txBody>
-      </p:sp>
-    </p:spTree>
-    <p:extLst>
-      <p:ext uri="{BB962C8B-B14F-4D97-AF65-F5344CB8AC3E}">
-        <p14:creationId xmlns:p14="http://schemas.microsoft.com/office/powerpoint/2010/main" val="1709234387"/>
-      </p:ext>
-    </p:extLst>
-  </p:cSld>
-  <p:clrMapOvr>
-    <a:masterClrMapping/>
-  </p:clrMapOvr>
-</p:sld>
-</file>
-
-<file path=ppt/slides/slide8.xml><?xml version="1.0" encoding="utf-8"?>
-<p:sld xmlns:a="http://schemas.openxmlformats.org/drawingml/2006/main" xmlns:r="http://schemas.openxmlformats.org/officeDocument/2006/relationships" xmlns:p="http://schemas.openxmlformats.org/presentationml/2006/main">
-  <p:cSld>
-    <p:spTree>
-      <p:nvGrpSpPr>
-        <p:cNvPr id="1" name=""/>
-        <p:cNvGrpSpPr/>
-        <p:nvPr/>
-      </p:nvGrpSpPr>
-      <p:grpSpPr>
-        <a:xfrm>
-          <a:off x="0" y="0"/>
-          <a:ext cx="0" cy="0"/>
-          <a:chOff x="0" y="0"/>
-          <a:chExt cx="0" cy="0"/>
-        </a:xfrm>
-      </p:grpSpPr>
-      <p:sp>
-        <p:nvSpPr>
-          <p:cNvPr id="4" name="Content Placeholder 3"/>
-          <p:cNvSpPr>
-            <a:spLocks noGrp="1"/>
-          </p:cNvSpPr>
-          <p:nvPr>
-            <p:ph idx="1"/>
-          </p:nvPr>
-        </p:nvSpPr>
-        <p:spPr/>
-        <p:txBody>
-          <a:bodyPr/>
-          <a:lstStyle/>
-          <a:p>
-            <a:r>
-              <a:rPr lang="en-US" dirty="0"/>
-              <a:t>Elements all have the same number of protons</a:t>
-            </a:r>
-          </a:p>
-          <a:p>
-            <a:r>
-              <a:rPr lang="en-US" dirty="0"/>
-              <a:t>But elements can have different number of neutrons</a:t>
-            </a:r>
-          </a:p>
-          <a:p>
-            <a:r>
-              <a:rPr lang="en-US" dirty="0"/>
-              <a:t>An element with different numbers of neutrons is an </a:t>
-            </a:r>
-            <a:r>
-              <a:rPr lang="en-US" dirty="0">
-                <a:solidFill>
-                  <a:srgbClr val="00FF00"/>
-                </a:solidFill>
-              </a:rPr>
-              <a:t>isotope</a:t>
-            </a:r>
-            <a:r>
-              <a:rPr lang="en-US" dirty="0"/>
-              <a:t> of the element</a:t>
-            </a:r>
-          </a:p>
-          <a:p>
-            <a:r>
-              <a:rPr lang="en-US" dirty="0"/>
-              <a:t>When referring to an isotope of an element, use this</a:t>
-            </a:r>
-          </a:p>
-          <a:p>
-            <a:endParaRPr lang="en-US" dirty="0"/>
-          </a:p>
-          <a:p>
-            <a:pPr marL="0" indent="0">
-              <a:buNone/>
-            </a:pPr>
-            <a:r>
-              <a:rPr lang="en-US" dirty="0"/>
-              <a:t>Where</a:t>
-            </a:r>
-          </a:p>
-          <a:p>
-            <a:r>
-              <a:rPr lang="en-US" i="1" dirty="0"/>
-              <a:t>×</a:t>
-            </a:r>
-            <a:r>
-              <a:rPr lang="en-US" dirty="0"/>
-              <a:t> is element symbol (</a:t>
-            </a:r>
-            <a:r>
-              <a:rPr lang="en-US" dirty="0" err="1"/>
-              <a:t>e.g</a:t>
-            </a:r>
-            <a:r>
-              <a:rPr lang="en-US" dirty="0"/>
-              <a:t>, hydrogen = H)</a:t>
-            </a:r>
-          </a:p>
-          <a:p>
-            <a:r>
-              <a:rPr lang="en-US" i="1" dirty="0"/>
-              <a:t>A</a:t>
-            </a:r>
-            <a:r>
-              <a:rPr lang="en-US" dirty="0"/>
-              <a:t> is </a:t>
-            </a:r>
-            <a:r>
-              <a:rPr lang="en-US" dirty="0">
-                <a:solidFill>
-                  <a:srgbClr val="FFFF00"/>
-                </a:solidFill>
-              </a:rPr>
-              <a:t>atomic number</a:t>
-            </a:r>
-            <a:r>
-              <a:rPr lang="en-US" dirty="0"/>
-              <a:t>, = # protons (A = 1 for H)</a:t>
-            </a:r>
-          </a:p>
-          <a:p>
-            <a:r>
-              <a:rPr lang="en-US" i="1" dirty="0"/>
-              <a:t>Z</a:t>
-            </a:r>
-            <a:r>
-              <a:rPr lang="en-US" dirty="0"/>
-              <a:t> is </a:t>
-            </a:r>
-            <a:r>
-              <a:rPr lang="en-US" dirty="0">
-                <a:solidFill>
-                  <a:srgbClr val="FFFF00"/>
-                </a:solidFill>
-              </a:rPr>
-              <a:t>mass number</a:t>
-            </a:r>
-            <a:r>
-              <a:rPr lang="en-US" dirty="0"/>
-              <a:t>, = #protons + #neutrons</a:t>
-            </a:r>
-          </a:p>
-        </p:txBody>
-      </p:sp>
-      <p:sp>
-        <p:nvSpPr>
-          <p:cNvPr id="2" name="Title 1"/>
-          <p:cNvSpPr>
-            <a:spLocks noGrp="1"/>
-          </p:cNvSpPr>
-          <p:nvPr>
-            <p:ph type="title"/>
-          </p:nvPr>
-        </p:nvSpPr>
-        <p:spPr/>
-        <p:txBody>
-          <a:bodyPr/>
-          <a:lstStyle/>
-          <a:p>
-            <a:r>
-              <a:rPr lang="en-US" dirty="0"/>
-              <a:t>Atomic Weight Explained</a:t>
-            </a:r>
-          </a:p>
-        </p:txBody>
-      </p:sp>
-      <p:pic>
-        <p:nvPicPr>
-          <p:cNvPr id="2051" name="Picture 3"/>
-          <p:cNvPicPr>
-            <a:picLocks noChangeAspect="1" noChangeArrowheads="1"/>
-          </p:cNvPicPr>
-          <p:nvPr/>
-        </p:nvPicPr>
-        <p:blipFill>
-          <a:blip r:embed="rId2">
-            <a:extLst>
-              <a:ext uri="{28A0092B-C50C-407E-A947-70E740481C1C}">
-                <a14:useLocalDpi xmlns:a14="http://schemas.microsoft.com/office/drawing/2010/main" val="0"/>
-              </a:ext>
-            </a:extLst>
-          </a:blip>
-          <a:srcRect/>
-          <a:stretch>
-            <a:fillRect/>
-          </a:stretch>
-        </p:blipFill>
-        <p:spPr bwMode="auto">
-          <a:xfrm>
-            <a:off x="1577617" y="3853547"/>
-            <a:ext cx="795470" cy="892628"/>
-          </a:xfrm>
-          <a:prstGeom prst="rect">
-            <a:avLst/>
-          </a:prstGeom>
-          <a:noFill/>
-          <a:ln>
-            <a:noFill/>
-          </a:ln>
-          <a:extLst>
-            <a:ext uri="{909E8E84-426E-40DD-AFC4-6F175D3DCCD1}">
-              <a14:hiddenFill xmlns:a14="http://schemas.microsoft.com/office/drawing/2010/main">
-                <a:solidFill>
-                  <a:schemeClr val="accent1"/>
-                </a:solidFill>
-              </a14:hiddenFill>
-            </a:ext>
-            <a:ext uri="{91240B29-F687-4F45-9708-019B960494DF}">
-              <a14:hiddenLine xmlns:a14="http://schemas.microsoft.com/office/drawing/2010/main" w="9525">
-                <a:solidFill>
-                  <a:schemeClr val="tx1"/>
-                </a:solidFill>
-                <a:miter lim="800000"/>
-                <a:headEnd/>
-                <a:tailEnd/>
-              </a14:hiddenLine>
-            </a:ext>
-          </a:extLst>
-        </p:spPr>
-      </p:pic>
-    </p:spTree>
-    <p:extLst>
-      <p:ext uri="{BB962C8B-B14F-4D97-AF65-F5344CB8AC3E}">
-        <p14:creationId xmlns:p14="http://schemas.microsoft.com/office/powerpoint/2010/main" val="3336068234"/>
-      </p:ext>
-    </p:extLst>
-  </p:cSld>
-  <p:clrMapOvr>
-    <a:masterClrMapping/>
-  </p:clrMapOvr>
-</p:sld>
-</file>
-
-<file path=ppt/slides/slide9.xml><?xml version="1.0" encoding="utf-8"?>
-<p:sld xmlns:a="http://schemas.openxmlformats.org/drawingml/2006/main" xmlns:r="http://schemas.openxmlformats.org/officeDocument/2006/relationships" xmlns:p="http://schemas.openxmlformats.org/presentationml/2006/main">
-  <p:cSld>
-    <p:spTree>
-      <p:nvGrpSpPr>
-        <p:cNvPr id="1" name=""/>
-        <p:cNvGrpSpPr/>
-        <p:nvPr/>
-      </p:nvGrpSpPr>
-      <p:grpSpPr>
-        <a:xfrm>
-          <a:off x="0" y="0"/>
-          <a:ext cx="0" cy="0"/>
-          <a:chOff x="0" y="0"/>
-          <a:chExt cx="0" cy="0"/>
-        </a:xfrm>
-      </p:grpSpPr>
-      <p:sp>
-        <p:nvSpPr>
-          <p:cNvPr id="4" name="Content Placeholder 3"/>
-          <p:cNvSpPr>
-            <a:spLocks noGrp="1"/>
-          </p:cNvSpPr>
-          <p:nvPr>
-            <p:ph idx="1"/>
-          </p:nvPr>
-        </p:nvSpPr>
-        <p:spPr/>
-        <p:txBody>
-          <a:bodyPr/>
-          <a:lstStyle/>
-          <a:p>
-            <a:pPr marL="0" indent="0">
-              <a:buNone/>
-            </a:pPr>
-            <a:r>
-              <a:rPr lang="en-US" dirty="0"/>
-              <a:t>Hydrogen has three isotopes:</a:t>
-            </a:r>
-          </a:p>
-          <a:p>
-            <a:pPr marL="457200" indent="-457200">
-              <a:buFont typeface="+mj-lt"/>
-              <a:buAutoNum type="arabicPeriod"/>
-            </a:pPr>
-            <a:r>
-              <a:rPr lang="en-US" dirty="0" err="1"/>
-              <a:t>Protium</a:t>
-            </a:r>
-            <a:r>
-              <a:rPr lang="en-US" dirty="0"/>
-              <a:t> (</a:t>
-            </a:r>
-            <a:r>
-              <a:rPr lang="en-US" baseline="30000" dirty="0"/>
-              <a:t>1</a:t>
-            </a:r>
-            <a:r>
-              <a:rPr lang="en-US" baseline="-25000" dirty="0"/>
-              <a:t>1</a:t>
-            </a:r>
-            <a:r>
-              <a:rPr lang="en-US" dirty="0"/>
-              <a:t>H)</a:t>
-            </a:r>
-          </a:p>
-          <a:p>
-            <a:pPr marL="579438" lvl="1" indent="-342900"/>
-            <a:r>
-              <a:rPr lang="en-US" dirty="0"/>
-              <a:t>1 proton, 0 neutrons</a:t>
-            </a:r>
-          </a:p>
-          <a:p>
-            <a:pPr marL="579438" lvl="1" indent="-342900"/>
-            <a:r>
-              <a:rPr lang="en-US" dirty="0"/>
-              <a:t>usually just called "hydrogen"</a:t>
-            </a:r>
-          </a:p>
-          <a:p>
-            <a:pPr marL="579438" lvl="1" indent="-342900"/>
-            <a:r>
-              <a:rPr lang="en-US" dirty="0"/>
-              <a:t>99.9885% of all hydrogen isotopes in nature is this isotope</a:t>
-            </a:r>
-          </a:p>
-          <a:p>
-            <a:pPr marL="457200" indent="-457200">
-              <a:buFont typeface="+mj-lt"/>
-              <a:buAutoNum type="arabicPeriod"/>
-            </a:pPr>
-            <a:r>
-              <a:rPr lang="en-US" dirty="0"/>
-              <a:t>Deuterium (</a:t>
-            </a:r>
-            <a:r>
-              <a:rPr lang="en-US" baseline="30000" dirty="0"/>
-              <a:t>2</a:t>
-            </a:r>
-            <a:r>
-              <a:rPr lang="en-US" baseline="-25000" dirty="0"/>
-              <a:t>1</a:t>
-            </a:r>
-            <a:r>
-              <a:rPr lang="en-US" dirty="0"/>
-              <a:t>H)</a:t>
-            </a:r>
-          </a:p>
-          <a:p>
-            <a:pPr marL="579438" lvl="1" indent="-342900"/>
-            <a:r>
-              <a:rPr lang="en-US" dirty="0"/>
-              <a:t>1 proton, 1 neutron</a:t>
-            </a:r>
-          </a:p>
-          <a:p>
-            <a:pPr marL="579438" lvl="1" indent="-342900"/>
-            <a:r>
-              <a:rPr lang="en-US" dirty="0"/>
-              <a:t>It is a </a:t>
-            </a:r>
-            <a:r>
-              <a:rPr lang="en-US" dirty="0">
-                <a:solidFill>
-                  <a:srgbClr val="00FF00"/>
-                </a:solidFill>
-              </a:rPr>
-              <a:t>stable</a:t>
-            </a:r>
-            <a:r>
-              <a:rPr lang="en-US" dirty="0"/>
-              <a:t> isotope</a:t>
-            </a:r>
-          </a:p>
-          <a:p>
-            <a:pPr marL="579438" lvl="1" indent="-342900"/>
-            <a:r>
-              <a:rPr lang="en-US" dirty="0"/>
-              <a:t>0.0115% of hydrogen isotopes is deuterium in nature</a:t>
-            </a:r>
-          </a:p>
-          <a:p>
-            <a:pPr marL="457200" indent="-457200">
-              <a:buFont typeface="+mj-lt"/>
-              <a:buAutoNum type="arabicPeriod"/>
-            </a:pPr>
-            <a:r>
-              <a:rPr lang="en-US" dirty="0"/>
-              <a:t>Tritium (</a:t>
-            </a:r>
-            <a:r>
-              <a:rPr lang="en-US" baseline="30000" dirty="0"/>
-              <a:t>3</a:t>
-            </a:r>
-            <a:r>
-              <a:rPr lang="en-US" baseline="-25000" dirty="0"/>
-              <a:t>1</a:t>
-            </a:r>
-            <a:r>
-              <a:rPr lang="en-US" dirty="0"/>
-              <a:t>H)</a:t>
-            </a:r>
-          </a:p>
-          <a:p>
-            <a:pPr marL="579438" lvl="1" indent="-342900"/>
-            <a:r>
-              <a:rPr lang="en-US" dirty="0"/>
-              <a:t>1 proton, 2 neutrons</a:t>
-            </a:r>
-          </a:p>
-          <a:p>
-            <a:pPr marL="579438" lvl="1" indent="-342900"/>
-            <a:r>
-              <a:rPr lang="en-US" dirty="0"/>
-              <a:t>It is an </a:t>
-            </a:r>
-            <a:r>
-              <a:rPr lang="en-US" dirty="0">
-                <a:solidFill>
-                  <a:srgbClr val="00FF00"/>
-                </a:solidFill>
-              </a:rPr>
-              <a:t>unstable</a:t>
-            </a:r>
-            <a:r>
-              <a:rPr lang="en-US" dirty="0"/>
-              <a:t> isotope, meaning it is radioactive</a:t>
-            </a:r>
-          </a:p>
-          <a:p>
-            <a:pPr marL="579438" lvl="1" indent="-342900"/>
-            <a:r>
-              <a:rPr lang="en-US" dirty="0"/>
-              <a:t>Probably less than 0.00000001% in nature</a:t>
-            </a:r>
-          </a:p>
-          <a:p>
-            <a:endParaRPr lang="en-US" dirty="0"/>
-          </a:p>
-        </p:txBody>
-      </p:sp>
-      <p:sp>
-        <p:nvSpPr>
-          <p:cNvPr id="2" name="Title 1"/>
-          <p:cNvSpPr>
-            <a:spLocks noGrp="1"/>
-          </p:cNvSpPr>
-          <p:nvPr>
-            <p:ph type="title"/>
-          </p:nvPr>
-        </p:nvSpPr>
-        <p:spPr/>
-        <p:txBody>
-          <a:bodyPr/>
-          <a:lstStyle/>
-          <a:p>
-            <a:r>
-              <a:rPr lang="en-US" dirty="0"/>
-              <a:t>Atomic Weight Explained</a:t>
-            </a:r>
-          </a:p>
-        </p:txBody>
-      </p:sp>
-      <p:pic>
-        <p:nvPicPr>
-          <p:cNvPr id="3074" name="Picture 2"/>
-          <p:cNvPicPr>
-            <a:picLocks noChangeAspect="1" noChangeArrowheads="1"/>
-          </p:cNvPicPr>
-          <p:nvPr/>
-        </p:nvPicPr>
-        <p:blipFill>
-          <a:blip r:embed="rId2">
-            <a:extLst>
-              <a:ext uri="{28A0092B-C50C-407E-A947-70E740481C1C}">
-                <a14:useLocalDpi xmlns:a14="http://schemas.microsoft.com/office/drawing/2010/main" val="0"/>
-              </a:ext>
-            </a:extLst>
-          </a:blip>
-          <a:srcRect/>
-          <a:stretch>
-            <a:fillRect/>
-          </a:stretch>
-        </p:blipFill>
-        <p:spPr bwMode="auto">
-          <a:xfrm>
-            <a:off x="5429931" y="1164772"/>
-            <a:ext cx="3400425" cy="1676400"/>
-          </a:xfrm>
-          <a:prstGeom prst="rect">
-            <a:avLst/>
-          </a:prstGeom>
-          <a:noFill/>
-          <a:ln>
-            <a:noFill/>
-          </a:ln>
-          <a:extLst>
-            <a:ext uri="{909E8E84-426E-40DD-AFC4-6F175D3DCCD1}">
-              <a14:hiddenFill xmlns:a14="http://schemas.microsoft.com/office/drawing/2010/main">
-                <a:solidFill>
-                  <a:schemeClr val="accent1"/>
-                </a:solidFill>
-              </a14:hiddenFill>
-            </a:ext>
-            <a:ext uri="{91240B29-F687-4F45-9708-019B960494DF}">
-              <a14:hiddenLine xmlns:a14="http://schemas.microsoft.com/office/drawing/2010/main" w="9525">
-                <a:solidFill>
-                  <a:schemeClr val="tx1"/>
-                </a:solidFill>
-                <a:miter lim="800000"/>
-                <a:headEnd/>
-                <a:tailEnd/>
-              </a14:hiddenLine>
-            </a:ext>
-          </a:extLst>
-        </p:spPr>
-      </p:pic>
-    </p:spTree>
-    <p:extLst>
-      <p:ext uri="{BB962C8B-B14F-4D97-AF65-F5344CB8AC3E}">
-        <p14:creationId xmlns:p14="http://schemas.microsoft.com/office/powerpoint/2010/main" val="168383520"/>
       </p:ext>
     </p:extLst>
   </p:cSld>
